--- a/PPM.pptx
+++ b/PPM.pptx
@@ -13,20 +13,18 @@
     <p:sldId id="261" r:id="rId7"/>
     <p:sldId id="262" r:id="rId8"/>
     <p:sldId id="263" r:id="rId9"/>
-    <p:sldId id="264" r:id="rId10"/>
-    <p:sldId id="265" r:id="rId11"/>
-    <p:sldId id="266" r:id="rId12"/>
-    <p:sldId id="268" r:id="rId13"/>
-    <p:sldId id="267" r:id="rId14"/>
-    <p:sldId id="270" r:id="rId15"/>
-    <p:sldId id="269" r:id="rId16"/>
-    <p:sldId id="276" r:id="rId17"/>
-    <p:sldId id="272" r:id="rId18"/>
-    <p:sldId id="273" r:id="rId19"/>
-    <p:sldId id="274" r:id="rId20"/>
-    <p:sldId id="275" r:id="rId21"/>
-    <p:sldId id="277" r:id="rId22"/>
-    <p:sldId id="278" r:id="rId23"/>
+    <p:sldId id="266" r:id="rId10"/>
+    <p:sldId id="268" r:id="rId11"/>
+    <p:sldId id="267" r:id="rId12"/>
+    <p:sldId id="270" r:id="rId13"/>
+    <p:sldId id="269" r:id="rId14"/>
+    <p:sldId id="276" r:id="rId15"/>
+    <p:sldId id="272" r:id="rId16"/>
+    <p:sldId id="273" r:id="rId17"/>
+    <p:sldId id="274" r:id="rId18"/>
+    <p:sldId id="275" r:id="rId19"/>
+    <p:sldId id="277" r:id="rId20"/>
+    <p:sldId id="278" r:id="rId21"/>
   </p:sldIdLst>
   <p:sldSz cx="12192000" cy="6858000"/>
   <p:notesSz cx="6858000" cy="9144000"/>
@@ -855,7 +853,7 @@
           <a:p>
             <a:fld id="{A1988A3F-C9E6-4BA3-A358-D1386E521577}" type="datetimeFigureOut">
               <a:rPr lang="en-IN" smtClean="0"/>
-              <a:t>30/10/24</a:t>
+              <a:t>30-10-2024</a:t>
             </a:fld>
             <a:endParaRPr lang="en-IN"/>
           </a:p>
@@ -1106,7 +1104,7 @@
           <a:p>
             <a:fld id="{A1988A3F-C9E6-4BA3-A358-D1386E521577}" type="datetimeFigureOut">
               <a:rPr lang="en-IN" smtClean="0"/>
-              <a:t>30/10/24</a:t>
+              <a:t>30-10-2024</a:t>
             </a:fld>
             <a:endParaRPr lang="en-IN"/>
           </a:p>
@@ -1420,7 +1418,7 @@
           <a:p>
             <a:fld id="{A1988A3F-C9E6-4BA3-A358-D1386E521577}" type="datetimeFigureOut">
               <a:rPr lang="en-IN" smtClean="0"/>
-              <a:t>30/10/24</a:t>
+              <a:t>30-10-2024</a:t>
             </a:fld>
             <a:endParaRPr lang="en-IN"/>
           </a:p>
@@ -1761,7 +1759,7 @@
           <a:p>
             <a:fld id="{A1988A3F-C9E6-4BA3-A358-D1386E521577}" type="datetimeFigureOut">
               <a:rPr lang="en-IN" smtClean="0"/>
-              <a:t>30/10/24</a:t>
+              <a:t>30-10-2024</a:t>
             </a:fld>
             <a:endParaRPr lang="en-IN"/>
           </a:p>
@@ -2075,7 +2073,7 @@
           <a:p>
             <a:fld id="{A1988A3F-C9E6-4BA3-A358-D1386E521577}" type="datetimeFigureOut">
               <a:rPr lang="en-IN" smtClean="0"/>
-              <a:t>30/10/24</a:t>
+              <a:t>30-10-2024</a:t>
             </a:fld>
             <a:endParaRPr lang="en-IN"/>
           </a:p>
@@ -2468,7 +2466,7 @@
           <a:p>
             <a:fld id="{A1988A3F-C9E6-4BA3-A358-D1386E521577}" type="datetimeFigureOut">
               <a:rPr lang="en-IN" smtClean="0"/>
-              <a:t>30/10/24</a:t>
+              <a:t>30-10-2024</a:t>
             </a:fld>
             <a:endParaRPr lang="en-IN"/>
           </a:p>
@@ -2638,7 +2636,7 @@
           <a:p>
             <a:fld id="{A1988A3F-C9E6-4BA3-A358-D1386E521577}" type="datetimeFigureOut">
               <a:rPr lang="en-IN" smtClean="0"/>
-              <a:t>30/10/24</a:t>
+              <a:t>30-10-2024</a:t>
             </a:fld>
             <a:endParaRPr lang="en-IN"/>
           </a:p>
@@ -2818,7 +2816,7 @@
           <a:p>
             <a:fld id="{A1988A3F-C9E6-4BA3-A358-D1386E521577}" type="datetimeFigureOut">
               <a:rPr lang="en-IN" smtClean="0"/>
-              <a:t>30/10/24</a:t>
+              <a:t>30-10-2024</a:t>
             </a:fld>
             <a:endParaRPr lang="en-IN"/>
           </a:p>
@@ -2994,7 +2992,7 @@
           <a:p>
             <a:fld id="{A1988A3F-C9E6-4BA3-A358-D1386E521577}" type="datetimeFigureOut">
               <a:rPr lang="en-IN" smtClean="0"/>
-              <a:t>30/10/24</a:t>
+              <a:t>30-10-2024</a:t>
             </a:fld>
             <a:endParaRPr lang="en-IN"/>
           </a:p>
@@ -3241,7 +3239,7 @@
           <a:p>
             <a:fld id="{A1988A3F-C9E6-4BA3-A358-D1386E521577}" type="datetimeFigureOut">
               <a:rPr lang="en-IN" smtClean="0"/>
-              <a:t>30/10/24</a:t>
+              <a:t>30-10-2024</a:t>
             </a:fld>
             <a:endParaRPr lang="en-IN"/>
           </a:p>
@@ -3473,7 +3471,7 @@
           <a:p>
             <a:fld id="{A1988A3F-C9E6-4BA3-A358-D1386E521577}" type="datetimeFigureOut">
               <a:rPr lang="en-IN" smtClean="0"/>
-              <a:t>30/10/24</a:t>
+              <a:t>30-10-2024</a:t>
             </a:fld>
             <a:endParaRPr lang="en-IN"/>
           </a:p>
@@ -3847,7 +3845,7 @@
           <a:p>
             <a:fld id="{A1988A3F-C9E6-4BA3-A358-D1386E521577}" type="datetimeFigureOut">
               <a:rPr lang="en-IN" smtClean="0"/>
-              <a:t>30/10/24</a:t>
+              <a:t>30-10-2024</a:t>
             </a:fld>
             <a:endParaRPr lang="en-IN"/>
           </a:p>
@@ -3970,7 +3968,7 @@
           <a:p>
             <a:fld id="{A1988A3F-C9E6-4BA3-A358-D1386E521577}" type="datetimeFigureOut">
               <a:rPr lang="en-IN" smtClean="0"/>
-              <a:t>30/10/24</a:t>
+              <a:t>30-10-2024</a:t>
             </a:fld>
             <a:endParaRPr lang="en-IN"/>
           </a:p>
@@ -4065,7 +4063,7 @@
           <a:p>
             <a:fld id="{A1988A3F-C9E6-4BA3-A358-D1386E521577}" type="datetimeFigureOut">
               <a:rPr lang="en-IN" smtClean="0"/>
-              <a:t>30/10/24</a:t>
+              <a:t>30-10-2024</a:t>
             </a:fld>
             <a:endParaRPr lang="en-IN"/>
           </a:p>
@@ -4320,7 +4318,7 @@
           <a:p>
             <a:fld id="{A1988A3F-C9E6-4BA3-A358-D1386E521577}" type="datetimeFigureOut">
               <a:rPr lang="en-IN" smtClean="0"/>
-              <a:t>30/10/24</a:t>
+              <a:t>30-10-2024</a:t>
             </a:fld>
             <a:endParaRPr lang="en-IN"/>
           </a:p>
@@ -4583,7 +4581,7 @@
           <a:p>
             <a:fld id="{A1988A3F-C9E6-4BA3-A358-D1386E521577}" type="datetimeFigureOut">
               <a:rPr lang="en-IN" smtClean="0"/>
-              <a:t>30/10/24</a:t>
+              <a:t>30-10-2024</a:t>
             </a:fld>
             <a:endParaRPr lang="en-IN"/>
           </a:p>
@@ -5326,7 +5324,7 @@
           <a:p>
             <a:fld id="{A1988A3F-C9E6-4BA3-A358-D1386E521577}" type="datetimeFigureOut">
               <a:rPr lang="en-IN" smtClean="0"/>
-              <a:t>30/10/24</a:t>
+              <a:t>30-10-2024</a:t>
             </a:fld>
             <a:endParaRPr lang="en-IN"/>
           </a:p>
@@ -5971,7 +5969,7 @@
           <p:cNvPr id="2" name="Title 1">
             <a:extLst>
               <a:ext uri="{FF2B5EF4-FFF2-40B4-BE49-F238E27FC236}">
-                <a16:creationId xmlns:a16="http://schemas.microsoft.com/office/drawing/2014/main" id="{5D393EDA-3180-F831-9C65-2A5540F5ACDB}"/>
+                <a16:creationId xmlns:a16="http://schemas.microsoft.com/office/drawing/2014/main" id="{3C9FD721-95F1-21CD-1C88-A3ACB7B8D9CC}"/>
               </a:ext>
             </a:extLst>
           </p:cNvPr>
@@ -5985,13 +5983,11 @@
         <p:spPr>
           <a:xfrm>
             <a:off x="0" y="0"/>
-            <a:ext cx="8442960" cy="701040"/>
-          </a:xfrm>
-        </p:spPr>
-        <p:txBody>
-          <a:bodyPr>
-            <a:normAutofit/>
-          </a:bodyPr>
+            <a:ext cx="3640666" cy="680720"/>
+          </a:xfrm>
+        </p:spPr>
+        <p:txBody>
+          <a:bodyPr/>
           <a:lstStyle/>
           <a:p>
             <a:r>
@@ -6003,47 +5999,10 @@
       </p:sp>
       <p:sp>
         <p:nvSpPr>
-          <p:cNvPr id="3" name="Content Placeholder 2">
-            <a:extLst>
-              <a:ext uri="{FF2B5EF4-FFF2-40B4-BE49-F238E27FC236}">
-                <a16:creationId xmlns:a16="http://schemas.microsoft.com/office/drawing/2014/main" id="{53A084E5-704C-C515-97A9-869502A341FF}"/>
-              </a:ext>
-            </a:extLst>
-          </p:cNvPr>
-          <p:cNvSpPr>
-            <a:spLocks noGrp="1"/>
-          </p:cNvSpPr>
-          <p:nvPr>
-            <p:ph idx="1"/>
-          </p:nvPr>
-        </p:nvSpPr>
-        <p:spPr>
-          <a:xfrm>
-            <a:off x="0" y="1098005"/>
-            <a:ext cx="8596668" cy="461665"/>
-          </a:xfrm>
-        </p:spPr>
-        <p:txBody>
-          <a:bodyPr/>
-          <a:lstStyle/>
-          <a:p>
-            <a:pPr marL="0" indent="0">
-              <a:buNone/>
-            </a:pPr>
-            <a:r>
-              <a:rPr lang="en-US" dirty="0"/>
-              <a:t>The partial derivative of A with respect to ϕ is:</a:t>
-            </a:r>
-            <a:endParaRPr lang="en-IN" dirty="0"/>
-          </a:p>
-        </p:txBody>
-      </p:sp>
-      <p:sp>
-        <p:nvSpPr>
           <p:cNvPr id="4" name="TextBox 3">
             <a:extLst>
               <a:ext uri="{FF2B5EF4-FFF2-40B4-BE49-F238E27FC236}">
-                <a16:creationId xmlns:a16="http://schemas.microsoft.com/office/drawing/2014/main" id="{3467A894-EFF2-0DA9-75B1-F78484FCEBFF}"/>
+                <a16:creationId xmlns:a16="http://schemas.microsoft.com/office/drawing/2014/main" id="{907EBB8F-8B63-43F1-8145-D60C6146BB2A}"/>
               </a:ext>
             </a:extLst>
           </p:cNvPr>
@@ -6052,8 +6011,8 @@
         </p:nvSpPr>
         <p:spPr>
           <a:xfrm>
-            <a:off x="0" y="571807"/>
-            <a:ext cx="3789680" cy="461665"/>
+            <a:off x="0" y="680720"/>
+            <a:ext cx="4541520" cy="461665"/>
           </a:xfrm>
           <a:prstGeom prst="rect">
             <a:avLst/>
@@ -6068,7 +6027,7 @@
           <a:p>
             <a:r>
               <a:rPr lang="en-IN" sz="2400" b="1" dirty="0"/>
-              <a:t>Euler Lagrange equation</a:t>
+              <a:t>Incorporating energy loss</a:t>
             </a:r>
           </a:p>
         </p:txBody>
@@ -6078,7 +6037,7 @@
           <p:cNvPr id="5" name="TextBox 4">
             <a:extLst>
               <a:ext uri="{FF2B5EF4-FFF2-40B4-BE49-F238E27FC236}">
-                <a16:creationId xmlns:a16="http://schemas.microsoft.com/office/drawing/2014/main" id="{58FF48F4-B6D4-C3FA-0875-7486F387CEFB}"/>
+                <a16:creationId xmlns:a16="http://schemas.microsoft.com/office/drawing/2014/main" id="{2DB6E75E-AE1F-78F3-16E8-EB93EF5F94A7}"/>
               </a:ext>
             </a:extLst>
           </p:cNvPr>
@@ -6087,8 +6046,8 @@
         </p:nvSpPr>
         <p:spPr>
           <a:xfrm>
-            <a:off x="3708400" y="650240"/>
-            <a:ext cx="2854960" cy="369332"/>
+            <a:off x="335280" y="1838961"/>
+            <a:ext cx="10027920" cy="923330"/>
           </a:xfrm>
           <a:prstGeom prst="rect">
             <a:avLst/>
@@ -6102,9 +6061,10 @@
           <a:lstStyle/>
           <a:p>
             <a:r>
-              <a:rPr lang="en-IN" i="1" dirty="0"/>
-              <a:t>continued</a:t>
-            </a:r>
+              <a:rPr lang="en-US" dirty="0"/>
+              <a:t>This is achieved by including a dampening term in the Euler-Lagrange equation, acting as constant loss as the disk turns. This term is based on the current velocity at which the disk is turning, therefore, higher speed leads to more energy loss.</a:t>
+            </a:r>
+            <a:endParaRPr lang="en-IN" dirty="0"/>
           </a:p>
         </p:txBody>
       </p:sp>
@@ -6113,7 +6073,7 @@
           <p:cNvPr id="7" name="Picture 6">
             <a:extLst>
               <a:ext uri="{FF2B5EF4-FFF2-40B4-BE49-F238E27FC236}">
-                <a16:creationId xmlns:a16="http://schemas.microsoft.com/office/drawing/2014/main" id="{C828510D-C027-8B93-27D1-75888E0A48FC}"/>
+                <a16:creationId xmlns:a16="http://schemas.microsoft.com/office/drawing/2014/main" id="{226FDD77-A41E-E2B7-682B-5149E34DC97A}"/>
               </a:ext>
             </a:extLst>
           </p:cNvPr>
@@ -6130,8 +6090,8 @@
         </p:blipFill>
         <p:spPr>
           <a:xfrm>
-            <a:off x="5396299" y="1019572"/>
-            <a:ext cx="3553321" cy="800212"/>
+            <a:off x="4466998" y="3718820"/>
+            <a:ext cx="1629002" cy="685896"/>
           </a:xfrm>
           <a:prstGeom prst="rect">
             <a:avLst/>
@@ -6143,7 +6103,7 @@
           <p:cNvPr id="8" name="TextBox 7">
             <a:extLst>
               <a:ext uri="{FF2B5EF4-FFF2-40B4-BE49-F238E27FC236}">
-                <a16:creationId xmlns:a16="http://schemas.microsoft.com/office/drawing/2014/main" id="{8C27144D-3176-70B6-78AE-68A8123F529E}"/>
+                <a16:creationId xmlns:a16="http://schemas.microsoft.com/office/drawing/2014/main" id="{97F62ADF-58D3-FADC-778A-0E1779177731}"/>
               </a:ext>
             </a:extLst>
           </p:cNvPr>
@@ -6152,8 +6112,8 @@
         </p:nvSpPr>
         <p:spPr>
           <a:xfrm>
-            <a:off x="132080" y="1738504"/>
-            <a:ext cx="1920240" cy="369332"/>
+            <a:off x="370840" y="4815247"/>
+            <a:ext cx="4978400" cy="369332"/>
           </a:xfrm>
           <a:prstGeom prst="rect">
             <a:avLst/>
@@ -6168,272 +6128,15 @@
           <a:p>
             <a:r>
               <a:rPr lang="en-IN" dirty="0"/>
-              <a:t>Thus,</a:t>
-            </a:r>
-          </a:p>
-        </p:txBody>
-      </p:sp>
-      <p:pic>
-        <p:nvPicPr>
-          <p:cNvPr id="10" name="Picture 9">
-            <a:extLst>
-              <a:ext uri="{FF2B5EF4-FFF2-40B4-BE49-F238E27FC236}">
-                <a16:creationId xmlns:a16="http://schemas.microsoft.com/office/drawing/2014/main" id="{0ED461E6-F660-585A-65E5-039555A05716}"/>
-              </a:ext>
-            </a:extLst>
-          </p:cNvPr>
-          <p:cNvPicPr>
-            <a:picLocks noChangeAspect="1"/>
-          </p:cNvPicPr>
-          <p:nvPr/>
-        </p:nvPicPr>
-        <p:blipFill>
-          <a:blip r:embed="rId3"/>
-          <a:stretch>
-            <a:fillRect/>
-          </a:stretch>
-        </p:blipFill>
-        <p:spPr>
-          <a:xfrm>
-            <a:off x="1932046" y="1923170"/>
-            <a:ext cx="3715268" cy="590632"/>
-          </a:xfrm>
-          <a:prstGeom prst="rect">
-            <a:avLst/>
-          </a:prstGeom>
-        </p:spPr>
-      </p:pic>
-      <p:sp>
-        <p:nvSpPr>
-          <p:cNvPr id="11" name="TextBox 10">
-            <a:extLst>
-              <a:ext uri="{FF2B5EF4-FFF2-40B4-BE49-F238E27FC236}">
-                <a16:creationId xmlns:a16="http://schemas.microsoft.com/office/drawing/2014/main" id="{57FA7E42-9B79-944C-CB98-7EEE69A113B5}"/>
-              </a:ext>
-            </a:extLst>
-          </p:cNvPr>
-          <p:cNvSpPr txBox="1"/>
-          <p:nvPr/>
-        </p:nvSpPr>
-        <p:spPr>
-          <a:xfrm>
-            <a:off x="0" y="2514304"/>
-            <a:ext cx="7091680" cy="369332"/>
-          </a:xfrm>
-          <a:prstGeom prst="rect">
-            <a:avLst/>
-          </a:prstGeom>
-          <a:noFill/>
-        </p:spPr>
-        <p:txBody>
-          <a:bodyPr wrap="square" rtlCol="0">
-            <a:spAutoFit/>
-          </a:bodyPr>
-          <a:lstStyle/>
-          <a:p>
-            <a:r>
-              <a:rPr lang="en-US" dirty="0"/>
-              <a:t>As A doesn’t depend on ϕ* the right side ’vanishes’  Now, Compute</a:t>
-            </a:r>
-            <a:endParaRPr lang="en-IN" dirty="0"/>
-          </a:p>
-        </p:txBody>
-      </p:sp>
-      <p:pic>
-        <p:nvPicPr>
-          <p:cNvPr id="13" name="Picture 12">
-            <a:extLst>
-              <a:ext uri="{FF2B5EF4-FFF2-40B4-BE49-F238E27FC236}">
-                <a16:creationId xmlns:a16="http://schemas.microsoft.com/office/drawing/2014/main" id="{2BF152BB-EBA4-9C0E-C63D-CD2748003BB5}"/>
-              </a:ext>
-            </a:extLst>
-          </p:cNvPr>
-          <p:cNvPicPr>
-            <a:picLocks noChangeAspect="1"/>
-          </p:cNvPicPr>
-          <p:nvPr/>
-        </p:nvPicPr>
-        <p:blipFill>
-          <a:blip r:embed="rId4"/>
-          <a:stretch>
-            <a:fillRect/>
-          </a:stretch>
-        </p:blipFill>
-        <p:spPr>
-          <a:xfrm>
-            <a:off x="6996722" y="2514161"/>
-            <a:ext cx="352474" cy="495369"/>
-          </a:xfrm>
-          <a:prstGeom prst="rect">
-            <a:avLst/>
-          </a:prstGeom>
-        </p:spPr>
-      </p:pic>
-      <p:pic>
-        <p:nvPicPr>
-          <p:cNvPr id="15" name="Picture 14">
-            <a:extLst>
-              <a:ext uri="{FF2B5EF4-FFF2-40B4-BE49-F238E27FC236}">
-                <a16:creationId xmlns:a16="http://schemas.microsoft.com/office/drawing/2014/main" id="{D27CE3D3-AB28-7A7A-C226-D6989A074EF3}"/>
-              </a:ext>
-            </a:extLst>
-          </p:cNvPr>
-          <p:cNvPicPr>
-            <a:picLocks noChangeAspect="1"/>
-          </p:cNvPicPr>
-          <p:nvPr/>
-        </p:nvPicPr>
-        <p:blipFill>
-          <a:blip r:embed="rId5"/>
-          <a:stretch>
-            <a:fillRect/>
-          </a:stretch>
-        </p:blipFill>
-        <p:spPr>
-          <a:xfrm>
-            <a:off x="457200" y="3034153"/>
-            <a:ext cx="9171473" cy="747708"/>
-          </a:xfrm>
-          <a:prstGeom prst="rect">
-            <a:avLst/>
-          </a:prstGeom>
-        </p:spPr>
-      </p:pic>
-      <p:sp>
-        <p:nvSpPr>
-          <p:cNvPr id="16" name="TextBox 15">
-            <a:extLst>
-              <a:ext uri="{FF2B5EF4-FFF2-40B4-BE49-F238E27FC236}">
-                <a16:creationId xmlns:a16="http://schemas.microsoft.com/office/drawing/2014/main" id="{AB3FC0D5-5A0D-42F7-B6A6-6A6A7A3A2F20}"/>
-              </a:ext>
-            </a:extLst>
-          </p:cNvPr>
-          <p:cNvSpPr txBox="1"/>
-          <p:nvPr/>
-        </p:nvSpPr>
-        <p:spPr>
-          <a:xfrm>
-            <a:off x="0" y="3895187"/>
-            <a:ext cx="6289040" cy="369332"/>
-          </a:xfrm>
-          <a:prstGeom prst="rect">
-            <a:avLst/>
-          </a:prstGeom>
-          <a:noFill/>
-        </p:spPr>
-        <p:txBody>
-          <a:bodyPr wrap="square" rtlCol="0">
-            <a:spAutoFit/>
-          </a:bodyPr>
-          <a:lstStyle/>
-          <a:p>
-            <a:r>
-              <a:rPr lang="en-US" dirty="0"/>
-              <a:t>Substitution is done to get the Euler-Lagrange equation:</a:t>
-            </a:r>
-            <a:endParaRPr lang="en-IN" dirty="0"/>
-          </a:p>
-        </p:txBody>
-      </p:sp>
-      <p:pic>
-        <p:nvPicPr>
-          <p:cNvPr id="18" name="Picture 17">
-            <a:extLst>
-              <a:ext uri="{FF2B5EF4-FFF2-40B4-BE49-F238E27FC236}">
-                <a16:creationId xmlns:a16="http://schemas.microsoft.com/office/drawing/2014/main" id="{6052B367-C6A8-BCB7-ABC7-DFEF811A39B4}"/>
-              </a:ext>
-            </a:extLst>
-          </p:cNvPr>
-          <p:cNvPicPr>
-            <a:picLocks noChangeAspect="1"/>
-          </p:cNvPicPr>
-          <p:nvPr/>
-        </p:nvPicPr>
-        <p:blipFill>
-          <a:blip r:embed="rId6"/>
-          <a:stretch>
-            <a:fillRect/>
-          </a:stretch>
-        </p:blipFill>
-        <p:spPr>
-          <a:xfrm>
-            <a:off x="3124200" y="4229039"/>
-            <a:ext cx="4344006" cy="600159"/>
-          </a:xfrm>
-          <a:prstGeom prst="rect">
-            <a:avLst/>
-          </a:prstGeom>
-        </p:spPr>
-      </p:pic>
-      <p:sp>
-        <p:nvSpPr>
-          <p:cNvPr id="19" name="TextBox 18">
-            <a:extLst>
-              <a:ext uri="{FF2B5EF4-FFF2-40B4-BE49-F238E27FC236}">
-                <a16:creationId xmlns:a16="http://schemas.microsoft.com/office/drawing/2014/main" id="{5F1C7AE5-8196-E3B6-87F1-56635CA50753}"/>
-              </a:ext>
-            </a:extLst>
-          </p:cNvPr>
-          <p:cNvSpPr txBox="1"/>
-          <p:nvPr/>
-        </p:nvSpPr>
-        <p:spPr>
-          <a:xfrm>
-            <a:off x="233680" y="4829198"/>
-            <a:ext cx="2248366" cy="369332"/>
-          </a:xfrm>
-          <a:prstGeom prst="rect">
-            <a:avLst/>
-          </a:prstGeom>
-          <a:noFill/>
-        </p:spPr>
-        <p:txBody>
-          <a:bodyPr wrap="square" rtlCol="0">
-            <a:spAutoFit/>
-          </a:bodyPr>
-          <a:lstStyle/>
-          <a:p>
-            <a:r>
-              <a:rPr lang="en-IN" dirty="0"/>
-              <a:t>This leads to:</a:t>
-            </a:r>
-          </a:p>
-        </p:txBody>
-      </p:sp>
-      <p:pic>
-        <p:nvPicPr>
-          <p:cNvPr id="21" name="Picture 20">
-            <a:extLst>
-              <a:ext uri="{FF2B5EF4-FFF2-40B4-BE49-F238E27FC236}">
-                <a16:creationId xmlns:a16="http://schemas.microsoft.com/office/drawing/2014/main" id="{B31BFE63-1D71-8DA9-16F1-FD685F2A0B58}"/>
-              </a:ext>
-            </a:extLst>
-          </p:cNvPr>
-          <p:cNvPicPr>
-            <a:picLocks noChangeAspect="1"/>
-          </p:cNvPicPr>
-          <p:nvPr/>
-        </p:nvPicPr>
-        <p:blipFill>
-          <a:blip r:embed="rId7"/>
-          <a:stretch>
-            <a:fillRect/>
-          </a:stretch>
-        </p:blipFill>
-        <p:spPr>
-          <a:xfrm>
-            <a:off x="1092200" y="5421810"/>
-            <a:ext cx="7621064" cy="676369"/>
-          </a:xfrm>
-          <a:prstGeom prst="rect">
-            <a:avLst/>
-          </a:prstGeom>
-        </p:spPr>
-      </p:pic>
+              <a:t>Where b is the dampening coefficient </a:t>
+            </a:r>
+          </a:p>
+        </p:txBody>
+      </p:sp>
     </p:spTree>
     <p:extLst>
       <p:ext uri="{BB962C8B-B14F-4D97-AF65-F5344CB8AC3E}">
-        <p14:creationId xmlns:p14="http://schemas.microsoft.com/office/powerpoint/2010/main" val="2392059338"/>
+        <p14:creationId xmlns:p14="http://schemas.microsoft.com/office/powerpoint/2010/main" val="1790709601"/>
       </p:ext>
     </p:extLst>
   </p:cSld>
@@ -6477,7 +6180,7 @@
           <p:cNvPr id="2" name="Title 1">
             <a:extLst>
               <a:ext uri="{FF2B5EF4-FFF2-40B4-BE49-F238E27FC236}">
-                <a16:creationId xmlns:a16="http://schemas.microsoft.com/office/drawing/2014/main" id="{C90FE8F1-BD1F-1BA2-2BFB-2559BB236B8E}"/>
+                <a16:creationId xmlns:a16="http://schemas.microsoft.com/office/drawing/2014/main" id="{A3EDC80A-89FB-65DA-4FCE-DE042232A810}"/>
               </a:ext>
             </a:extLst>
           </p:cNvPr>
@@ -6491,11 +6194,13 @@
         <p:spPr>
           <a:xfrm>
             <a:off x="0" y="0"/>
-            <a:ext cx="8596668" cy="670560"/>
-          </a:xfrm>
-        </p:spPr>
-        <p:txBody>
-          <a:bodyPr/>
+            <a:ext cx="2563706" cy="599440"/>
+          </a:xfrm>
+        </p:spPr>
+        <p:txBody>
+          <a:bodyPr>
+            <a:normAutofit fontScale="90000"/>
+          </a:bodyPr>
           <a:lstStyle/>
           <a:p>
             <a:r>
@@ -6510,7 +6215,7 @@
           <p:cNvPr id="3" name="Content Placeholder 2">
             <a:extLst>
               <a:ext uri="{FF2B5EF4-FFF2-40B4-BE49-F238E27FC236}">
-                <a16:creationId xmlns:a16="http://schemas.microsoft.com/office/drawing/2014/main" id="{B01063D6-2D5C-6442-96B8-C769A2242207}"/>
+                <a16:creationId xmlns:a16="http://schemas.microsoft.com/office/drawing/2014/main" id="{C92308AC-C2A3-9B10-9323-70687312FA05}"/>
               </a:ext>
             </a:extLst>
           </p:cNvPr>
@@ -6523,14 +6228,12 @@
         </p:nvSpPr>
         <p:spPr>
           <a:xfrm>
-            <a:off x="0" y="670560"/>
-            <a:ext cx="3711786" cy="501331"/>
-          </a:xfrm>
-        </p:spPr>
-        <p:txBody>
-          <a:bodyPr>
-            <a:normAutofit/>
-          </a:bodyPr>
+            <a:off x="0" y="599440"/>
+            <a:ext cx="8596668" cy="599441"/>
+          </a:xfrm>
+        </p:spPr>
+        <p:txBody>
+          <a:bodyPr/>
           <a:lstStyle/>
           <a:p>
             <a:pPr marL="0" indent="0">
@@ -6538,87 +6241,21 @@
             </a:pPr>
             <a:r>
               <a:rPr lang="en-IN" sz="2400" b="1" dirty="0"/>
-              <a:t>Euler Lagrange equation</a:t>
-            </a:r>
-          </a:p>
-        </p:txBody>
-      </p:sp>
-      <p:sp>
-        <p:nvSpPr>
-          <p:cNvPr id="4" name="TextBox 3">
-            <a:extLst>
-              <a:ext uri="{FF2B5EF4-FFF2-40B4-BE49-F238E27FC236}">
-                <a16:creationId xmlns:a16="http://schemas.microsoft.com/office/drawing/2014/main" id="{7F2472A3-3BC5-E8BB-90C3-165243AC4B36}"/>
-              </a:ext>
-            </a:extLst>
-          </p:cNvPr>
-          <p:cNvSpPr txBox="1"/>
-          <p:nvPr/>
-        </p:nvSpPr>
-        <p:spPr>
-          <a:xfrm>
-            <a:off x="3711786" y="746638"/>
-            <a:ext cx="2184400" cy="369332"/>
-          </a:xfrm>
-          <a:prstGeom prst="rect">
-            <a:avLst/>
-          </a:prstGeom>
-          <a:noFill/>
-        </p:spPr>
-        <p:txBody>
-          <a:bodyPr wrap="square" rtlCol="0">
-            <a:spAutoFit/>
-          </a:bodyPr>
-          <a:lstStyle/>
-          <a:p>
-            <a:r>
-              <a:rPr lang="en-IN" i="1" dirty="0"/>
-              <a:t>continued</a:t>
-            </a:r>
-          </a:p>
-        </p:txBody>
-      </p:sp>
-      <p:sp>
-        <p:nvSpPr>
-          <p:cNvPr id="5" name="TextBox 4">
-            <a:extLst>
-              <a:ext uri="{FF2B5EF4-FFF2-40B4-BE49-F238E27FC236}">
-                <a16:creationId xmlns:a16="http://schemas.microsoft.com/office/drawing/2014/main" id="{A3E68589-92A4-4173-02D7-909D5F2563E1}"/>
-              </a:ext>
-            </a:extLst>
-          </p:cNvPr>
-          <p:cNvSpPr txBox="1"/>
-          <p:nvPr/>
-        </p:nvSpPr>
-        <p:spPr>
-          <a:xfrm>
-            <a:off x="0" y="1247969"/>
-            <a:ext cx="5059680" cy="369332"/>
-          </a:xfrm>
-          <a:prstGeom prst="rect">
-            <a:avLst/>
-          </a:prstGeom>
-          <a:noFill/>
-        </p:spPr>
-        <p:txBody>
-          <a:bodyPr wrap="square" rtlCol="0">
-            <a:spAutoFit/>
-          </a:bodyPr>
-          <a:lstStyle/>
-          <a:p>
+              <a:t>Euler Lagrange Equation (figure)</a:t>
+            </a:r>
             <a:r>
               <a:rPr lang="en-IN" dirty="0"/>
-              <a:t>The final Form of the Equation of Motion is</a:t>
+              <a:t> </a:t>
             </a:r>
           </a:p>
         </p:txBody>
       </p:sp>
       <p:pic>
         <p:nvPicPr>
-          <p:cNvPr id="7" name="Picture 6">
-            <a:extLst>
-              <a:ext uri="{FF2B5EF4-FFF2-40B4-BE49-F238E27FC236}">
-                <a16:creationId xmlns:a16="http://schemas.microsoft.com/office/drawing/2014/main" id="{9035091D-7D32-BA7D-78F9-EBDF27854163}"/>
+          <p:cNvPr id="6" name="Picture 5">
+            <a:extLst>
+              <a:ext uri="{FF2B5EF4-FFF2-40B4-BE49-F238E27FC236}">
+                <a16:creationId xmlns:a16="http://schemas.microsoft.com/office/drawing/2014/main" id="{BFD295D9-B3AB-53EE-B8A8-A218387AF476}"/>
               </a:ext>
             </a:extLst>
           </p:cNvPr>
@@ -6635,8 +6272,8 @@
         </p:blipFill>
         <p:spPr>
           <a:xfrm>
-            <a:off x="1491129" y="1571540"/>
-            <a:ext cx="6954220" cy="724001"/>
+            <a:off x="0" y="1105252"/>
+            <a:ext cx="5775968" cy="5752748"/>
           </a:xfrm>
           <a:prstGeom prst="rect">
             <a:avLst/>
@@ -6645,10 +6282,10 @@
       </p:pic>
       <p:sp>
         <p:nvSpPr>
-          <p:cNvPr id="8" name="TextBox 7">
-            <a:extLst>
-              <a:ext uri="{FF2B5EF4-FFF2-40B4-BE49-F238E27FC236}">
-                <a16:creationId xmlns:a16="http://schemas.microsoft.com/office/drawing/2014/main" id="{00A44A4E-B7B2-BFF4-E209-F8FE8CA86886}"/>
+          <p:cNvPr id="7" name="TextBox 6">
+            <a:extLst>
+              <a:ext uri="{FF2B5EF4-FFF2-40B4-BE49-F238E27FC236}">
+                <a16:creationId xmlns:a16="http://schemas.microsoft.com/office/drawing/2014/main" id="{C0B809BA-22F6-BB9E-D88E-5C023B3A78E1}"/>
               </a:ext>
             </a:extLst>
           </p:cNvPr>
@@ -6657,8 +6294,8 @@
         </p:nvSpPr>
         <p:spPr>
           <a:xfrm>
-            <a:off x="0" y="2518281"/>
-            <a:ext cx="8596668" cy="369332"/>
+            <a:off x="5892800" y="1290320"/>
+            <a:ext cx="3342640" cy="2308324"/>
           </a:xfrm>
           <a:prstGeom prst="rect">
             <a:avLst/>
@@ -6672,73 +6309,16 @@
           <a:lstStyle/>
           <a:p>
             <a:r>
-              <a:rPr lang="en-IN" dirty="0"/>
-              <a:t>Or when fully written out and with the angular acceleration as the focus:</a:t>
-            </a:r>
-          </a:p>
-        </p:txBody>
-      </p:sp>
-      <p:pic>
-        <p:nvPicPr>
-          <p:cNvPr id="10" name="Picture 9">
-            <a:extLst>
-              <a:ext uri="{FF2B5EF4-FFF2-40B4-BE49-F238E27FC236}">
-                <a16:creationId xmlns:a16="http://schemas.microsoft.com/office/drawing/2014/main" id="{CB132532-A274-D00E-8D6B-6D2305ABADDE}"/>
-              </a:ext>
-            </a:extLst>
-          </p:cNvPr>
-          <p:cNvPicPr>
-            <a:picLocks noChangeAspect="1"/>
-          </p:cNvPicPr>
-          <p:nvPr/>
-        </p:nvPicPr>
-        <p:blipFill>
-          <a:blip r:embed="rId3"/>
-          <a:stretch>
-            <a:fillRect/>
-          </a:stretch>
-        </p:blipFill>
-        <p:spPr>
-          <a:xfrm>
-            <a:off x="795706" y="3019612"/>
-            <a:ext cx="8345065" cy="1228896"/>
-          </a:xfrm>
-          <a:prstGeom prst="rect">
-            <a:avLst/>
-          </a:prstGeom>
-        </p:spPr>
-      </p:pic>
-      <p:sp>
-        <p:nvSpPr>
-          <p:cNvPr id="6" name="TextBox 5">
-            <a:extLst>
-              <a:ext uri="{FF2B5EF4-FFF2-40B4-BE49-F238E27FC236}">
-                <a16:creationId xmlns:a16="http://schemas.microsoft.com/office/drawing/2014/main" id="{34D62A21-852F-C67A-A1D8-2EE37B8F6EC7}"/>
-              </a:ext>
-            </a:extLst>
-          </p:cNvPr>
-          <p:cNvSpPr txBox="1"/>
-          <p:nvPr/>
-        </p:nvSpPr>
-        <p:spPr>
-          <a:xfrm>
-            <a:off x="247226" y="4616026"/>
-            <a:ext cx="9113520" cy="1200329"/>
-          </a:xfrm>
-          <a:prstGeom prst="rect">
-            <a:avLst/>
-          </a:prstGeom>
-          <a:noFill/>
-        </p:spPr>
-        <p:txBody>
-          <a:bodyPr wrap="square" rtlCol="0">
-            <a:spAutoFit/>
-          </a:bodyPr>
-          <a:lstStyle/>
-          <a:p>
-            <a:r>
               <a:rPr lang="en-US" dirty="0"/>
-              <a:t>After solving the ODE in MATLAB with realistic variables, figure 2 shows the y-position of the center of mass following an expected path for an eccentric rolling disc. However, the motion repeats indefinitely, so adding an energy loss factor is the next step to improve the model.</a:t>
+              <a:t>Figure 2: Results from solving eq23 and plotting the angular velocity, y position and angular displacement over time when R = 1; c = 0.2; g = 9.81; m = 1; mw = 0.1; </a:t>
+            </a:r>
+            <a:r>
+              <a:rPr lang="en-US" dirty="0" err="1"/>
+              <a:t>Rw</a:t>
+            </a:r>
+            <a:r>
+              <a:rPr lang="en-US" dirty="0"/>
+              <a:t> = 0.1; d = 0.3 and initial angular velocity is set to -1</a:t>
             </a:r>
             <a:endParaRPr lang="en-IN" dirty="0"/>
           </a:p>
@@ -6747,7 +6327,7 @@
     </p:spTree>
     <p:extLst>
       <p:ext uri="{BB962C8B-B14F-4D97-AF65-F5344CB8AC3E}">
-        <p14:creationId xmlns:p14="http://schemas.microsoft.com/office/powerpoint/2010/main" val="650677095"/>
+        <p14:creationId xmlns:p14="http://schemas.microsoft.com/office/powerpoint/2010/main" val="3360143875"/>
       </p:ext>
     </p:extLst>
   </p:cSld>
@@ -6791,7 +6371,7 @@
           <p:cNvPr id="2" name="Title 1">
             <a:extLst>
               <a:ext uri="{FF2B5EF4-FFF2-40B4-BE49-F238E27FC236}">
-                <a16:creationId xmlns:a16="http://schemas.microsoft.com/office/drawing/2014/main" id="{3C9FD721-95F1-21CD-1C88-A3ACB7B8D9CC}"/>
+                <a16:creationId xmlns:a16="http://schemas.microsoft.com/office/drawing/2014/main" id="{A44C7970-9FDD-D1C2-B9A7-C145F9296F53}"/>
               </a:ext>
             </a:extLst>
           </p:cNvPr>
@@ -6804,8 +6384,8 @@
         </p:nvSpPr>
         <p:spPr>
           <a:xfrm>
-            <a:off x="0" y="0"/>
-            <a:ext cx="3640666" cy="680720"/>
+            <a:off x="0" y="34318"/>
+            <a:ext cx="8596668" cy="782320"/>
           </a:xfrm>
         </p:spPr>
         <p:txBody>
@@ -6821,10 +6401,48 @@
       </p:sp>
       <p:sp>
         <p:nvSpPr>
-          <p:cNvPr id="4" name="TextBox 3">
-            <a:extLst>
-              <a:ext uri="{FF2B5EF4-FFF2-40B4-BE49-F238E27FC236}">
-                <a16:creationId xmlns:a16="http://schemas.microsoft.com/office/drawing/2014/main" id="{907EBB8F-8B63-43F1-8145-D60C6146BB2A}"/>
+          <p:cNvPr id="3" name="Content Placeholder 2">
+            <a:extLst>
+              <a:ext uri="{FF2B5EF4-FFF2-40B4-BE49-F238E27FC236}">
+                <a16:creationId xmlns:a16="http://schemas.microsoft.com/office/drawing/2014/main" id="{0FFDBE57-9E0B-26A7-0681-B21C2274A35C}"/>
+              </a:ext>
+            </a:extLst>
+          </p:cNvPr>
+          <p:cNvSpPr>
+            <a:spLocks noGrp="1"/>
+          </p:cNvSpPr>
+          <p:nvPr>
+            <p:ph idx="1"/>
+          </p:nvPr>
+        </p:nvSpPr>
+        <p:spPr>
+          <a:xfrm>
+            <a:off x="0" y="555812"/>
+            <a:ext cx="8596668" cy="521651"/>
+          </a:xfrm>
+        </p:spPr>
+        <p:txBody>
+          <a:bodyPr>
+            <a:normAutofit/>
+          </a:bodyPr>
+          <a:lstStyle/>
+          <a:p>
+            <a:pPr marL="0" indent="0">
+              <a:buNone/>
+            </a:pPr>
+            <a:r>
+              <a:rPr lang="en-IN" sz="2400" b="1" dirty="0"/>
+              <a:t>Euler Lagrange Equation</a:t>
+            </a:r>
+          </a:p>
+        </p:txBody>
+      </p:sp>
+      <p:sp>
+        <p:nvSpPr>
+          <p:cNvPr id="6" name="TextBox 5">
+            <a:extLst>
+              <a:ext uri="{FF2B5EF4-FFF2-40B4-BE49-F238E27FC236}">
+                <a16:creationId xmlns:a16="http://schemas.microsoft.com/office/drawing/2014/main" id="{CFE38077-A9A0-387D-D041-A88C2DEA940E}"/>
               </a:ext>
             </a:extLst>
           </p:cNvPr>
@@ -6833,8 +6451,8 @@
         </p:nvSpPr>
         <p:spPr>
           <a:xfrm>
-            <a:off x="0" y="680720"/>
-            <a:ext cx="4541520" cy="461665"/>
+            <a:off x="6334389" y="3829465"/>
+            <a:ext cx="2886748" cy="1200329"/>
           </a:xfrm>
           <a:prstGeom prst="rect">
             <a:avLst/>
@@ -6848,43 +6466,8 @@
           <a:lstStyle/>
           <a:p>
             <a:r>
-              <a:rPr lang="en-IN" sz="2400" b="1" dirty="0"/>
-              <a:t>Incorporating energy loss</a:t>
-            </a:r>
-          </a:p>
-        </p:txBody>
-      </p:sp>
-      <p:sp>
-        <p:nvSpPr>
-          <p:cNvPr id="5" name="TextBox 4">
-            <a:extLst>
-              <a:ext uri="{FF2B5EF4-FFF2-40B4-BE49-F238E27FC236}">
-                <a16:creationId xmlns:a16="http://schemas.microsoft.com/office/drawing/2014/main" id="{2DB6E75E-AE1F-78F3-16E8-EB93EF5F94A7}"/>
-              </a:ext>
-            </a:extLst>
-          </p:cNvPr>
-          <p:cNvSpPr txBox="1"/>
-          <p:nvPr/>
-        </p:nvSpPr>
-        <p:spPr>
-          <a:xfrm>
-            <a:off x="335280" y="1838961"/>
-            <a:ext cx="10027920" cy="923330"/>
-          </a:xfrm>
-          <a:prstGeom prst="rect">
-            <a:avLst/>
-          </a:prstGeom>
-          <a:noFill/>
-        </p:spPr>
-        <p:txBody>
-          <a:bodyPr wrap="square" rtlCol="0">
-            <a:spAutoFit/>
-          </a:bodyPr>
-          <a:lstStyle/>
-          <a:p>
-            <a:r>
               <a:rPr lang="en-US" dirty="0"/>
-              <a:t>This is achieved by including a dampening term in the Euler-Lagrange equation, acting as constant loss as the disk turns. This term is based on the current velocity at which the disk is turning, therefore, higher speed leads to more energy loss.</a:t>
+              <a:t>Figure 3 : Using the same variables as in Figure 2 with the dampening coefficient b set to 0.04</a:t>
             </a:r>
             <a:endParaRPr lang="en-IN" dirty="0"/>
           </a:p>
@@ -6892,10 +6475,10 @@
       </p:sp>
       <p:pic>
         <p:nvPicPr>
-          <p:cNvPr id="7" name="Picture 6">
-            <a:extLst>
-              <a:ext uri="{FF2B5EF4-FFF2-40B4-BE49-F238E27FC236}">
-                <a16:creationId xmlns:a16="http://schemas.microsoft.com/office/drawing/2014/main" id="{226FDD77-A41E-E2B7-682B-5149E34DC97A}"/>
+          <p:cNvPr id="4" name="Picture 3">
+            <a:extLst>
+              <a:ext uri="{FF2B5EF4-FFF2-40B4-BE49-F238E27FC236}">
+                <a16:creationId xmlns:a16="http://schemas.microsoft.com/office/drawing/2014/main" id="{2ED2A052-4C50-3FE0-A5FF-AF7F5FE2BA17}"/>
               </a:ext>
             </a:extLst>
           </p:cNvPr>
@@ -6912,8 +6495,8 @@
         </p:blipFill>
         <p:spPr>
           <a:xfrm>
-            <a:off x="4466998" y="3718820"/>
-            <a:ext cx="1629002" cy="685896"/>
+            <a:off x="408566" y="2419547"/>
+            <a:ext cx="5792008" cy="4020166"/>
           </a:xfrm>
           <a:prstGeom prst="rect">
             <a:avLst/>
@@ -6925,7 +6508,7 @@
           <p:cNvPr id="8" name="TextBox 7">
             <a:extLst>
               <a:ext uri="{FF2B5EF4-FFF2-40B4-BE49-F238E27FC236}">
-                <a16:creationId xmlns:a16="http://schemas.microsoft.com/office/drawing/2014/main" id="{97F62ADF-58D3-FADC-778A-0E1779177731}"/>
+                <a16:creationId xmlns:a16="http://schemas.microsoft.com/office/drawing/2014/main" id="{2C641988-23D4-98AA-90DD-471BD64958BB}"/>
               </a:ext>
             </a:extLst>
           </p:cNvPr>
@@ -6934,8 +6517,8 @@
         </p:nvSpPr>
         <p:spPr>
           <a:xfrm>
-            <a:off x="370840" y="4815247"/>
-            <a:ext cx="4978400" cy="369332"/>
+            <a:off x="-29172" y="1434305"/>
+            <a:ext cx="10139680" cy="646331"/>
           </a:xfrm>
           <a:prstGeom prst="rect">
             <a:avLst/>
@@ -6949,16 +6532,17 @@
           <a:lstStyle/>
           <a:p>
             <a:r>
-              <a:rPr lang="en-IN" dirty="0"/>
-              <a:t>Where b is the dampening coefficient </a:t>
-            </a:r>
+              <a:rPr lang="en-US" dirty="0"/>
+              <a:t>Including this damping term in the model the results in this figure. The disk makes one full turn, then reverses direction every 12 seconds, swinging like a pendulum and gradually losing energy. </a:t>
+            </a:r>
+            <a:endParaRPr lang="en-IN" dirty="0"/>
           </a:p>
         </p:txBody>
       </p:sp>
     </p:spTree>
     <p:extLst>
       <p:ext uri="{BB962C8B-B14F-4D97-AF65-F5344CB8AC3E}">
-        <p14:creationId xmlns:p14="http://schemas.microsoft.com/office/powerpoint/2010/main" val="1790709601"/>
+        <p14:creationId xmlns:p14="http://schemas.microsoft.com/office/powerpoint/2010/main" val="1598935781"/>
       </p:ext>
     </p:extLst>
   </p:cSld>
@@ -7002,7 +6586,7 @@
           <p:cNvPr id="2" name="Title 1">
             <a:extLst>
               <a:ext uri="{FF2B5EF4-FFF2-40B4-BE49-F238E27FC236}">
-                <a16:creationId xmlns:a16="http://schemas.microsoft.com/office/drawing/2014/main" id="{A3EDC80A-89FB-65DA-4FCE-DE042232A810}"/>
+                <a16:creationId xmlns:a16="http://schemas.microsoft.com/office/drawing/2014/main" id="{B5380655-5900-E836-BDB3-E6A57392AE8D}"/>
               </a:ext>
             </a:extLst>
           </p:cNvPr>
@@ -7016,13 +6600,11 @@
         <p:spPr>
           <a:xfrm>
             <a:off x="0" y="0"/>
-            <a:ext cx="2563706" cy="599440"/>
-          </a:xfrm>
-        </p:spPr>
-        <p:txBody>
-          <a:bodyPr>
-            <a:normAutofit fontScale="90000"/>
-          </a:bodyPr>
+            <a:ext cx="8596668" cy="670560"/>
+          </a:xfrm>
+        </p:spPr>
+        <p:txBody>
+          <a:bodyPr/>
           <a:lstStyle/>
           <a:p>
             <a:r>
@@ -7034,50 +6616,89 @@
       </p:sp>
       <p:sp>
         <p:nvSpPr>
-          <p:cNvPr id="3" name="Content Placeholder 2">
-            <a:extLst>
-              <a:ext uri="{FF2B5EF4-FFF2-40B4-BE49-F238E27FC236}">
-                <a16:creationId xmlns:a16="http://schemas.microsoft.com/office/drawing/2014/main" id="{C92308AC-C2A3-9B10-9323-70687312FA05}"/>
-              </a:ext>
-            </a:extLst>
-          </p:cNvPr>
-          <p:cNvSpPr>
-            <a:spLocks noGrp="1"/>
-          </p:cNvSpPr>
-          <p:nvPr>
-            <p:ph idx="1"/>
-          </p:nvPr>
-        </p:nvSpPr>
-        <p:spPr>
-          <a:xfrm>
-            <a:off x="0" y="599440"/>
-            <a:ext cx="8596668" cy="599441"/>
-          </a:xfrm>
-        </p:spPr>
-        <p:txBody>
-          <a:bodyPr/>
-          <a:lstStyle/>
-          <a:p>
-            <a:pPr marL="0" indent="0">
-              <a:buNone/>
-            </a:pPr>
+          <p:cNvPr id="4" name="TextBox 3">
+            <a:extLst>
+              <a:ext uri="{FF2B5EF4-FFF2-40B4-BE49-F238E27FC236}">
+                <a16:creationId xmlns:a16="http://schemas.microsoft.com/office/drawing/2014/main" id="{601D18A4-C6B3-CF98-50BC-FE4ED81BB763}"/>
+              </a:ext>
+            </a:extLst>
+          </p:cNvPr>
+          <p:cNvSpPr txBox="1"/>
+          <p:nvPr/>
+        </p:nvSpPr>
+        <p:spPr>
+          <a:xfrm>
+            <a:off x="71120" y="635201"/>
+            <a:ext cx="4094480" cy="461665"/>
+          </a:xfrm>
+          <a:prstGeom prst="rect">
+            <a:avLst/>
+          </a:prstGeom>
+          <a:noFill/>
+        </p:spPr>
+        <p:txBody>
+          <a:bodyPr wrap="square" rtlCol="0">
+            <a:spAutoFit/>
+          </a:bodyPr>
+          <a:lstStyle/>
+          <a:p>
             <a:r>
               <a:rPr lang="en-IN" sz="2400" b="1" dirty="0"/>
-              <a:t>Euler Lagrange Equation (figure)</a:t>
-            </a:r>
-            <a:r>
-              <a:rPr lang="en-IN" dirty="0"/>
-              <a:t> </a:t>
-            </a:r>
+              <a:t>Analysing results</a:t>
+            </a:r>
+          </a:p>
+        </p:txBody>
+      </p:sp>
+      <p:sp>
+        <p:nvSpPr>
+          <p:cNvPr id="8" name="TextBox 7">
+            <a:extLst>
+              <a:ext uri="{FF2B5EF4-FFF2-40B4-BE49-F238E27FC236}">
+                <a16:creationId xmlns:a16="http://schemas.microsoft.com/office/drawing/2014/main" id="{74225A0C-18F2-C34D-BDE0-C61A49ACCC09}"/>
+              </a:ext>
+            </a:extLst>
+          </p:cNvPr>
+          <p:cNvSpPr txBox="1"/>
+          <p:nvPr/>
+        </p:nvSpPr>
+        <p:spPr>
+          <a:xfrm>
+            <a:off x="5569383" y="1414715"/>
+            <a:ext cx="3728720" cy="1477328"/>
+          </a:xfrm>
+          <a:prstGeom prst="rect">
+            <a:avLst/>
+          </a:prstGeom>
+          <a:noFill/>
+        </p:spPr>
+        <p:txBody>
+          <a:bodyPr wrap="square" rtlCol="0">
+            <a:spAutoFit/>
+          </a:bodyPr>
+          <a:lstStyle/>
+          <a:p>
+            <a:r>
+              <a:rPr lang="en-US" dirty="0"/>
+              <a:t>Figure 4: Results from adjusting the position of the center of mass by increasing the added weight, where R = 1; c = 0.8; g = 9.81; m = 1; MW = 1; </a:t>
+            </a:r>
+            <a:r>
+              <a:rPr lang="en-US" dirty="0" err="1"/>
+              <a:t>Rw</a:t>
+            </a:r>
+            <a:r>
+              <a:rPr lang="en-US" dirty="0"/>
+              <a:t> = 0.1; d = 0.1;</a:t>
+            </a:r>
+            <a:endParaRPr lang="en-IN" dirty="0"/>
           </a:p>
         </p:txBody>
       </p:sp>
       <p:pic>
         <p:nvPicPr>
-          <p:cNvPr id="6" name="Picture 5">
-            <a:extLst>
-              <a:ext uri="{FF2B5EF4-FFF2-40B4-BE49-F238E27FC236}">
-                <a16:creationId xmlns:a16="http://schemas.microsoft.com/office/drawing/2014/main" id="{BFD295D9-B3AB-53EE-B8A8-A218387AF476}"/>
+          <p:cNvPr id="11" name="Picture 10">
+            <a:extLst>
+              <a:ext uri="{FF2B5EF4-FFF2-40B4-BE49-F238E27FC236}">
+                <a16:creationId xmlns:a16="http://schemas.microsoft.com/office/drawing/2014/main" id="{190DB798-8666-B3C7-9050-082C245493A1}"/>
               </a:ext>
             </a:extLst>
           </p:cNvPr>
@@ -7094,8 +6715,8 @@
         </p:blipFill>
         <p:spPr>
           <a:xfrm>
-            <a:off x="0" y="1105252"/>
-            <a:ext cx="5775968" cy="5752748"/>
+            <a:off x="289039" y="1999433"/>
+            <a:ext cx="5209715" cy="4223366"/>
           </a:xfrm>
           <a:prstGeom prst="rect">
             <a:avLst/>
@@ -7104,10 +6725,10 @@
       </p:pic>
       <p:sp>
         <p:nvSpPr>
-          <p:cNvPr id="7" name="TextBox 6">
-            <a:extLst>
-              <a:ext uri="{FF2B5EF4-FFF2-40B4-BE49-F238E27FC236}">
-                <a16:creationId xmlns:a16="http://schemas.microsoft.com/office/drawing/2014/main" id="{C0B809BA-22F6-BB9E-D88E-5C023B3A78E1}"/>
+          <p:cNvPr id="3" name="TextBox 2">
+            <a:extLst>
+              <a:ext uri="{FF2B5EF4-FFF2-40B4-BE49-F238E27FC236}">
+                <a16:creationId xmlns:a16="http://schemas.microsoft.com/office/drawing/2014/main" id="{EA7E0408-26B4-3536-F1FB-CB932F77BBA8}"/>
               </a:ext>
             </a:extLst>
           </p:cNvPr>
@@ -7116,8 +6737,8 @@
         </p:nvSpPr>
         <p:spPr>
           <a:xfrm>
-            <a:off x="5892800" y="1290320"/>
-            <a:ext cx="3342640" cy="2308324"/>
+            <a:off x="5676063" y="3183421"/>
+            <a:ext cx="3515360" cy="2862322"/>
           </a:xfrm>
           <a:prstGeom prst="rect">
             <a:avLst/>
@@ -7132,15 +6753,7 @@
           <a:p>
             <a:r>
               <a:rPr lang="en-US" dirty="0"/>
-              <a:t>Figure 2: Results from solving eq23 and plotting the angular velocity, y position and angular displacement over time when R = 1; c = 0.2; g = 9.81; m = 1; mw = 0.1; </a:t>
-            </a:r>
-            <a:r>
-              <a:rPr lang="en-US" dirty="0" err="1"/>
-              <a:t>Rw</a:t>
-            </a:r>
-            <a:r>
-              <a:rPr lang="en-US" dirty="0"/>
-              <a:t> = 0.1; d = 0.3 and initial angular velocity is set to -1</a:t>
+              <a:t>The mass being too heavy means there isn’t enough momentum to push the disk over the sticking point. To test whether this theory is true, the initial angular velocity created by pushing the disk can be increased to see if the momentum carries the center of mass over.</a:t>
             </a:r>
             <a:endParaRPr lang="en-IN" dirty="0"/>
           </a:p>
@@ -7149,7 +6762,7 @@
     </p:spTree>
     <p:extLst>
       <p:ext uri="{BB962C8B-B14F-4D97-AF65-F5344CB8AC3E}">
-        <p14:creationId xmlns:p14="http://schemas.microsoft.com/office/powerpoint/2010/main" val="3360143875"/>
+        <p14:creationId xmlns:p14="http://schemas.microsoft.com/office/powerpoint/2010/main" val="1318574579"/>
       </p:ext>
     </p:extLst>
   </p:cSld>
@@ -7193,7 +6806,7 @@
           <p:cNvPr id="2" name="Title 1">
             <a:extLst>
               <a:ext uri="{FF2B5EF4-FFF2-40B4-BE49-F238E27FC236}">
-                <a16:creationId xmlns:a16="http://schemas.microsoft.com/office/drawing/2014/main" id="{A44C7970-9FDD-D1C2-B9A7-C145F9296F53}"/>
+                <a16:creationId xmlns:a16="http://schemas.microsoft.com/office/drawing/2014/main" id="{F85EE264-F5A2-486F-3FC0-AD211BC7632E}"/>
               </a:ext>
             </a:extLst>
           </p:cNvPr>
@@ -7206,8 +6819,8 @@
         </p:nvSpPr>
         <p:spPr>
           <a:xfrm>
-            <a:off x="0" y="34318"/>
-            <a:ext cx="8596668" cy="782320"/>
+            <a:off x="0" y="0"/>
+            <a:ext cx="7613226" cy="822960"/>
           </a:xfrm>
         </p:spPr>
         <p:txBody>
@@ -7215,9 +6828,10 @@
           <a:lstStyle/>
           <a:p>
             <a:r>
-              <a:rPr lang="en-IN" dirty="0"/>
+              <a:rPr lang="en-US" dirty="0"/>
               <a:t>Method</a:t>
             </a:r>
+            <a:endParaRPr lang="en-IN" dirty="0"/>
           </a:p>
         </p:txBody>
       </p:sp>
@@ -7226,7 +6840,7 @@
           <p:cNvPr id="3" name="Content Placeholder 2">
             <a:extLst>
               <a:ext uri="{FF2B5EF4-FFF2-40B4-BE49-F238E27FC236}">
-                <a16:creationId xmlns:a16="http://schemas.microsoft.com/office/drawing/2014/main" id="{0FFDBE57-9E0B-26A7-0681-B21C2274A35C}"/>
+                <a16:creationId xmlns:a16="http://schemas.microsoft.com/office/drawing/2014/main" id="{A67C1019-74BA-6EB8-A1B4-F57F371F3507}"/>
               </a:ext>
             </a:extLst>
           </p:cNvPr>
@@ -7239,13 +6853,13 @@
         </p:nvSpPr>
         <p:spPr>
           <a:xfrm>
-            <a:off x="0" y="555812"/>
-            <a:ext cx="8596668" cy="521651"/>
+            <a:off x="0" y="612934"/>
+            <a:ext cx="3295226" cy="420051"/>
           </a:xfrm>
         </p:spPr>
         <p:txBody>
           <a:bodyPr>
-            <a:normAutofit/>
+            <a:noAutofit/>
           </a:bodyPr>
           <a:lstStyle/>
           <a:p>
@@ -7253,18 +6867,19 @@
               <a:buNone/>
             </a:pPr>
             <a:r>
-              <a:rPr lang="en-IN" sz="2400" b="1" dirty="0"/>
-              <a:t>Euler Lagrange Equation</a:t>
-            </a:r>
-          </a:p>
-        </p:txBody>
-      </p:sp>
-      <p:sp>
-        <p:nvSpPr>
-          <p:cNvPr id="6" name="TextBox 5">
-            <a:extLst>
-              <a:ext uri="{FF2B5EF4-FFF2-40B4-BE49-F238E27FC236}">
-                <a16:creationId xmlns:a16="http://schemas.microsoft.com/office/drawing/2014/main" id="{CFE38077-A9A0-387D-D041-A88C2DEA940E}"/>
+              <a:rPr lang="en-US" sz="2400" b="1" dirty="0"/>
+              <a:t>Analyzing results</a:t>
+            </a:r>
+            <a:endParaRPr lang="en-IN" sz="2400" b="1" dirty="0"/>
+          </a:p>
+        </p:txBody>
+      </p:sp>
+      <p:sp>
+        <p:nvSpPr>
+          <p:cNvPr id="5" name="TextBox 4">
+            <a:extLst>
+              <a:ext uri="{FF2B5EF4-FFF2-40B4-BE49-F238E27FC236}">
+                <a16:creationId xmlns:a16="http://schemas.microsoft.com/office/drawing/2014/main" id="{1F2AE658-59C0-F1E2-8D86-367B43203407}"/>
               </a:ext>
             </a:extLst>
           </p:cNvPr>
@@ -7273,8 +6888,8 @@
         </p:nvSpPr>
         <p:spPr>
           <a:xfrm>
-            <a:off x="6334389" y="3829465"/>
-            <a:ext cx="2886748" cy="1200329"/>
+            <a:off x="5454226" y="1951672"/>
+            <a:ext cx="4318000" cy="1477328"/>
           </a:xfrm>
           <a:prstGeom prst="rect">
             <a:avLst/>
@@ -7289,7 +6904,7 @@
           <a:p>
             <a:r>
               <a:rPr lang="en-US" dirty="0"/>
-              <a:t>Figure 3 : Using the same variables as in Figure 2 with the dampening coefficient b set to 0.04</a:t>
+              <a:t>To test if this is the case, we increased the initial angular velocity, the disc completes multiple full rotations before resuming its oscillating motion, aligning with expected mechanical principles.</a:t>
             </a:r>
             <a:endParaRPr lang="en-IN" dirty="0"/>
           </a:p>
@@ -7297,10 +6912,10 @@
       </p:sp>
       <p:pic>
         <p:nvPicPr>
-          <p:cNvPr id="4" name="Picture 3">
-            <a:extLst>
-              <a:ext uri="{FF2B5EF4-FFF2-40B4-BE49-F238E27FC236}">
-                <a16:creationId xmlns:a16="http://schemas.microsoft.com/office/drawing/2014/main" id="{2ED2A052-4C50-3FE0-A5FF-AF7F5FE2BA17}"/>
+          <p:cNvPr id="7" name="Picture 6">
+            <a:extLst>
+              <a:ext uri="{FF2B5EF4-FFF2-40B4-BE49-F238E27FC236}">
+                <a16:creationId xmlns:a16="http://schemas.microsoft.com/office/drawing/2014/main" id="{018E4C5D-24E6-20EC-687E-14923A1C85BA}"/>
               </a:ext>
             </a:extLst>
           </p:cNvPr>
@@ -7317,8 +6932,8 @@
         </p:blipFill>
         <p:spPr>
           <a:xfrm>
-            <a:off x="408566" y="2419547"/>
-            <a:ext cx="5792008" cy="4020166"/>
+            <a:off x="88054" y="1121091"/>
+            <a:ext cx="5334744" cy="4267796"/>
           </a:xfrm>
           <a:prstGeom prst="rect">
             <a:avLst/>
@@ -7330,7 +6945,7 @@
           <p:cNvPr id="8" name="TextBox 7">
             <a:extLst>
               <a:ext uri="{FF2B5EF4-FFF2-40B4-BE49-F238E27FC236}">
-                <a16:creationId xmlns:a16="http://schemas.microsoft.com/office/drawing/2014/main" id="{2C641988-23D4-98AA-90DD-471BD64958BB}"/>
+                <a16:creationId xmlns:a16="http://schemas.microsoft.com/office/drawing/2014/main" id="{79AB37F9-A0F0-6B30-8B45-6839AAEE837E}"/>
               </a:ext>
             </a:extLst>
           </p:cNvPr>
@@ -7339,8 +6954,8 @@
         </p:nvSpPr>
         <p:spPr>
           <a:xfrm>
-            <a:off x="-29172" y="1434305"/>
-            <a:ext cx="10139680" cy="646331"/>
+            <a:off x="5569911" y="4188558"/>
+            <a:ext cx="3891280" cy="1200329"/>
           </a:xfrm>
           <a:prstGeom prst="rect">
             <a:avLst/>
@@ -7355,7 +6970,7 @@
           <a:p>
             <a:r>
               <a:rPr lang="en-US" dirty="0"/>
-              <a:t>Including this damping term in the model the results in this figure. The disk makes one full turn, then reverses direction every 12 seconds, swinging like a pendulum and gradually losing energy. </a:t>
+              <a:t>Figure 5: Same variables from figure 3, however the initial angular velocity has been increased from -1 to -3.</a:t>
             </a:r>
             <a:endParaRPr lang="en-IN" dirty="0"/>
           </a:p>
@@ -7364,25 +6979,13 @@
     </p:spTree>
     <p:extLst>
       <p:ext uri="{BB962C8B-B14F-4D97-AF65-F5344CB8AC3E}">
-        <p14:creationId xmlns:p14="http://schemas.microsoft.com/office/powerpoint/2010/main" val="1598935781"/>
+        <p14:creationId xmlns:p14="http://schemas.microsoft.com/office/powerpoint/2010/main" val="1644692586"/>
       </p:ext>
     </p:extLst>
   </p:cSld>
   <p:clrMapOvr>
     <a:masterClrMapping/>
   </p:clrMapOvr>
-  <mc:AlternateContent xmlns:mc="http://schemas.openxmlformats.org/markup-compatibility/2006" xmlns:p14="http://schemas.microsoft.com/office/powerpoint/2010/main">
-    <mc:Choice Requires="p14">
-      <p:transition spd="med" p14:dur="700">
-        <p:fade/>
-      </p:transition>
-    </mc:Choice>
-    <mc:Fallback xmlns="">
-      <p:transition spd="med">
-        <p:fade/>
-      </p:transition>
-    </mc:Fallback>
-  </mc:AlternateContent>
 </p:sld>
 </file>
 
@@ -7408,7 +7011,7 @@
           <p:cNvPr id="2" name="Title 1">
             <a:extLst>
               <a:ext uri="{FF2B5EF4-FFF2-40B4-BE49-F238E27FC236}">
-                <a16:creationId xmlns:a16="http://schemas.microsoft.com/office/drawing/2014/main" id="{B5380655-5900-E836-BDB3-E6A57392AE8D}"/>
+                <a16:creationId xmlns:a16="http://schemas.microsoft.com/office/drawing/2014/main" id="{2DD9FC67-35CC-95F8-8F57-F4A73BF5EC8A}"/>
               </a:ext>
             </a:extLst>
           </p:cNvPr>
@@ -7422,7 +7025,7 @@
         <p:spPr>
           <a:xfrm>
             <a:off x="0" y="0"/>
-            <a:ext cx="8596668" cy="670560"/>
+            <a:ext cx="8596668" cy="1320800"/>
           </a:xfrm>
         </p:spPr>
         <p:txBody>
@@ -7431,7 +7034,49 @@
           <a:p>
             <a:r>
               <a:rPr lang="en-IN" dirty="0"/>
-              <a:t>Method</a:t>
+              <a:t>Taking Readings</a:t>
+            </a:r>
+            <a:br>
+              <a:rPr lang="en-IN" dirty="0"/>
+            </a:br>
+            <a:endParaRPr lang="en-IN" dirty="0"/>
+          </a:p>
+        </p:txBody>
+      </p:sp>
+      <p:sp>
+        <p:nvSpPr>
+          <p:cNvPr id="3" name="Content Placeholder 2">
+            <a:extLst>
+              <a:ext uri="{FF2B5EF4-FFF2-40B4-BE49-F238E27FC236}">
+                <a16:creationId xmlns:a16="http://schemas.microsoft.com/office/drawing/2014/main" id="{5E487A54-A8A6-A2BB-FC0D-DFFBD52991ED}"/>
+              </a:ext>
+            </a:extLst>
+          </p:cNvPr>
+          <p:cNvSpPr>
+            <a:spLocks noGrp="1"/>
+          </p:cNvSpPr>
+          <p:nvPr>
+            <p:ph idx="1"/>
+          </p:nvPr>
+        </p:nvSpPr>
+        <p:spPr>
+          <a:xfrm>
+            <a:off x="108374" y="660400"/>
+            <a:ext cx="2838026" cy="460691"/>
+          </a:xfrm>
+        </p:spPr>
+        <p:txBody>
+          <a:bodyPr>
+            <a:normAutofit/>
+          </a:bodyPr>
+          <a:lstStyle/>
+          <a:p>
+            <a:pPr marL="0" indent="0">
+              <a:buNone/>
+            </a:pPr>
+            <a:r>
+              <a:rPr lang="en-IN" sz="2400" b="1" dirty="0"/>
+              <a:t>Setup</a:t>
             </a:r>
           </a:p>
         </p:txBody>
@@ -7441,7 +7086,7 @@
           <p:cNvPr id="4" name="TextBox 3">
             <a:extLst>
               <a:ext uri="{FF2B5EF4-FFF2-40B4-BE49-F238E27FC236}">
-                <a16:creationId xmlns:a16="http://schemas.microsoft.com/office/drawing/2014/main" id="{601D18A4-C6B3-CF98-50BC-FE4ED81BB763}"/>
+                <a16:creationId xmlns:a16="http://schemas.microsoft.com/office/drawing/2014/main" id="{4810A6C8-A6BB-5A3D-22E5-E6BB280F58B1}"/>
               </a:ext>
             </a:extLst>
           </p:cNvPr>
@@ -7450,8 +7095,8 @@
         </p:nvSpPr>
         <p:spPr>
           <a:xfrm>
-            <a:off x="71120" y="635201"/>
-            <a:ext cx="4094480" cy="461665"/>
+            <a:off x="108374" y="1320800"/>
+            <a:ext cx="3579706" cy="369332"/>
           </a:xfrm>
           <a:prstGeom prst="rect">
             <a:avLst/>
@@ -7465,18 +7110,18 @@
           <a:lstStyle/>
           <a:p>
             <a:r>
-              <a:rPr lang="en-IN" sz="2400" b="1" dirty="0"/>
-              <a:t>Analysing results</a:t>
-            </a:r>
-          </a:p>
-        </p:txBody>
-      </p:sp>
-      <p:sp>
-        <p:nvSpPr>
-          <p:cNvPr id="8" name="TextBox 7">
-            <a:extLst>
-              <a:ext uri="{FF2B5EF4-FFF2-40B4-BE49-F238E27FC236}">
-                <a16:creationId xmlns:a16="http://schemas.microsoft.com/office/drawing/2014/main" id="{74225A0C-18F2-C34D-BDE0-C61A49ACCC09}"/>
+              <a:rPr lang="en-IN" b="1" dirty="0"/>
+              <a:t>Equipment Calibration:</a:t>
+            </a:r>
+          </a:p>
+        </p:txBody>
+      </p:sp>
+      <p:sp>
+        <p:nvSpPr>
+          <p:cNvPr id="5" name="TextBox 4">
+            <a:extLst>
+              <a:ext uri="{FF2B5EF4-FFF2-40B4-BE49-F238E27FC236}">
+                <a16:creationId xmlns:a16="http://schemas.microsoft.com/office/drawing/2014/main" id="{6F420D1A-E913-FEB2-D287-EC63CD0296F9}"/>
               </a:ext>
             </a:extLst>
           </p:cNvPr>
@@ -7485,8 +7130,8 @@
         </p:nvSpPr>
         <p:spPr>
           <a:xfrm>
-            <a:off x="5569383" y="1414715"/>
-            <a:ext cx="3728720" cy="1477328"/>
+            <a:off x="0" y="1663224"/>
+            <a:ext cx="10119360" cy="1477328"/>
           </a:xfrm>
           <a:prstGeom prst="rect">
             <a:avLst/>
@@ -7501,56 +7146,18 @@
           <a:p>
             <a:r>
               <a:rPr lang="en-US" dirty="0"/>
-              <a:t>Figure 4: Results from adjusting the position of the center of mass by increasing the added weight, where R = 1; c = 0.8; g = 9.81; m = 1; MW = 1; </a:t>
-            </a:r>
-            <a:r>
-              <a:rPr lang="en-US" dirty="0" err="1"/>
-              <a:t>Rw</a:t>
-            </a:r>
-            <a:r>
-              <a:rPr lang="en-US" dirty="0"/>
-              <a:t> = 0.1; d = 0.1;</a:t>
+              <a:t>Configuration: Set up the apparatus as illustrated, ensuring the square is positioned at a specified distance from the center of the disc to maximize potential energy without interfering with the rails. - Calibration: Calibrate all measuring equipment (e.g., cameras, rulers) before the experiment to ensure accurate measurements in both pixels and real dimensions. Document calibration settings (e.g., camera resolution, frame rate).</a:t>
             </a:r>
             <a:endParaRPr lang="en-IN" dirty="0"/>
           </a:p>
         </p:txBody>
       </p:sp>
-      <p:pic>
-        <p:nvPicPr>
-          <p:cNvPr id="11" name="Picture 10">
-            <a:extLst>
-              <a:ext uri="{FF2B5EF4-FFF2-40B4-BE49-F238E27FC236}">
-                <a16:creationId xmlns:a16="http://schemas.microsoft.com/office/drawing/2014/main" id="{190DB798-8666-B3C7-9050-082C245493A1}"/>
-              </a:ext>
-            </a:extLst>
-          </p:cNvPr>
-          <p:cNvPicPr>
-            <a:picLocks noChangeAspect="1"/>
-          </p:cNvPicPr>
-          <p:nvPr/>
-        </p:nvPicPr>
-        <p:blipFill>
-          <a:blip r:embed="rId2"/>
-          <a:stretch>
-            <a:fillRect/>
-          </a:stretch>
-        </p:blipFill>
-        <p:spPr>
-          <a:xfrm>
-            <a:off x="289039" y="1999433"/>
-            <a:ext cx="5209715" cy="4223366"/>
-          </a:xfrm>
-          <a:prstGeom prst="rect">
-            <a:avLst/>
-          </a:prstGeom>
-        </p:spPr>
-      </p:pic>
-      <p:sp>
-        <p:nvSpPr>
-          <p:cNvPr id="3" name="TextBox 2">
-            <a:extLst>
-              <a:ext uri="{FF2B5EF4-FFF2-40B4-BE49-F238E27FC236}">
-                <a16:creationId xmlns:a16="http://schemas.microsoft.com/office/drawing/2014/main" id="{EA7E0408-26B4-3536-F1FB-CB932F77BBA8}"/>
+      <p:sp>
+        <p:nvSpPr>
+          <p:cNvPr id="6" name="TextBox 5">
+            <a:extLst>
+              <a:ext uri="{FF2B5EF4-FFF2-40B4-BE49-F238E27FC236}">
+                <a16:creationId xmlns:a16="http://schemas.microsoft.com/office/drawing/2014/main" id="{AF47054B-CF25-3DCA-EF3F-E12725C46B15}"/>
               </a:ext>
             </a:extLst>
           </p:cNvPr>
@@ -7559,8 +7166,8 @@
         </p:nvSpPr>
         <p:spPr>
           <a:xfrm>
-            <a:off x="5676063" y="3183421"/>
-            <a:ext cx="3515360" cy="2862322"/>
+            <a:off x="0" y="3358752"/>
+            <a:ext cx="3579706" cy="369332"/>
           </a:xfrm>
           <a:prstGeom prst="rect">
             <a:avLst/>
@@ -7574,8 +7181,114 @@
           <a:lstStyle/>
           <a:p>
             <a:r>
+              <a:rPr lang="en-IN" b="1" dirty="0"/>
+              <a:t>Controlled Environment:</a:t>
+            </a:r>
+          </a:p>
+        </p:txBody>
+      </p:sp>
+      <p:sp>
+        <p:nvSpPr>
+          <p:cNvPr id="7" name="TextBox 6">
+            <a:extLst>
+              <a:ext uri="{FF2B5EF4-FFF2-40B4-BE49-F238E27FC236}">
+                <a16:creationId xmlns:a16="http://schemas.microsoft.com/office/drawing/2014/main" id="{4FB0AA3B-9D14-39A5-A145-8D1768648B0B}"/>
+              </a:ext>
+            </a:extLst>
+          </p:cNvPr>
+          <p:cNvSpPr txBox="1"/>
+          <p:nvPr/>
+        </p:nvSpPr>
+        <p:spPr>
+          <a:xfrm>
+            <a:off x="0" y="3717449"/>
+            <a:ext cx="10525760" cy="646331"/>
+          </a:xfrm>
+          <a:prstGeom prst="rect">
+            <a:avLst/>
+          </a:prstGeom>
+          <a:noFill/>
+        </p:spPr>
+        <p:txBody>
+          <a:bodyPr wrap="square" rtlCol="0">
+            <a:spAutoFit/>
+          </a:bodyPr>
+          <a:lstStyle/>
+          <a:p>
+            <a:r>
               <a:rPr lang="en-US" dirty="0"/>
-              <a:t>The mass being too heavy means there isn’t enough momentum to push the disk over the sticking point. To test whether this theory is true, the initial angular velocity created by pushing the disk can be increased to see if the momentum carries the center of mass over.</a:t>
+              <a:t>Indoor Experimentation: Experiment in a controlled indoor environment to minimize external factors like wind or air currents. Ensure consistent lighting for video recording.</a:t>
+            </a:r>
+            <a:endParaRPr lang="en-IN" dirty="0"/>
+          </a:p>
+        </p:txBody>
+      </p:sp>
+      <p:sp>
+        <p:nvSpPr>
+          <p:cNvPr id="8" name="TextBox 7">
+            <a:extLst>
+              <a:ext uri="{FF2B5EF4-FFF2-40B4-BE49-F238E27FC236}">
+                <a16:creationId xmlns:a16="http://schemas.microsoft.com/office/drawing/2014/main" id="{63ABC49D-5865-40D3-F0C2-EDF5E29DD6CC}"/>
+              </a:ext>
+            </a:extLst>
+          </p:cNvPr>
+          <p:cNvSpPr txBox="1"/>
+          <p:nvPr/>
+        </p:nvSpPr>
+        <p:spPr>
+          <a:xfrm>
+            <a:off x="38947" y="4537811"/>
+            <a:ext cx="2976880" cy="369332"/>
+          </a:xfrm>
+          <a:prstGeom prst="rect">
+            <a:avLst/>
+          </a:prstGeom>
+          <a:noFill/>
+        </p:spPr>
+        <p:txBody>
+          <a:bodyPr wrap="square" rtlCol="0">
+            <a:spAutoFit/>
+          </a:bodyPr>
+          <a:lstStyle/>
+          <a:p>
+            <a:r>
+              <a:rPr lang="en-IN" b="1" dirty="0"/>
+              <a:t>Initial Conditions:</a:t>
+            </a:r>
+          </a:p>
+        </p:txBody>
+      </p:sp>
+      <p:sp>
+        <p:nvSpPr>
+          <p:cNvPr id="9" name="TextBox 8">
+            <a:extLst>
+              <a:ext uri="{FF2B5EF4-FFF2-40B4-BE49-F238E27FC236}">
+                <a16:creationId xmlns:a16="http://schemas.microsoft.com/office/drawing/2014/main" id="{3760D7F7-7DFB-8D5A-CBE4-834CA1D8FCFB}"/>
+              </a:ext>
+            </a:extLst>
+          </p:cNvPr>
+          <p:cNvSpPr txBox="1"/>
+          <p:nvPr/>
+        </p:nvSpPr>
+        <p:spPr>
+          <a:xfrm>
+            <a:off x="108374" y="5020607"/>
+            <a:ext cx="9716346" cy="923330"/>
+          </a:xfrm>
+          <a:prstGeom prst="rect">
+            <a:avLst/>
+          </a:prstGeom>
+          <a:noFill/>
+        </p:spPr>
+        <p:txBody>
+          <a:bodyPr wrap="square" rtlCol="0">
+            <a:spAutoFit/>
+          </a:bodyPr>
+          <a:lstStyle/>
+          <a:p>
+            <a:r>
+              <a:rPr lang="en-US" dirty="0"/>
+              <a:t>Maximize initial potential energy with zero initial kinetic energy for effective energy conversion. Use minimal force, like a gentle side push, to displace the disc without altering initial conditions.</a:t>
             </a:r>
             <a:endParaRPr lang="en-IN" dirty="0"/>
           </a:p>
@@ -7584,7 +7297,7 @@
     </p:spTree>
     <p:extLst>
       <p:ext uri="{BB962C8B-B14F-4D97-AF65-F5344CB8AC3E}">
-        <p14:creationId xmlns:p14="http://schemas.microsoft.com/office/powerpoint/2010/main" val="1318574579"/>
+        <p14:creationId xmlns:p14="http://schemas.microsoft.com/office/powerpoint/2010/main" val="76344207"/>
       </p:ext>
     </p:extLst>
   </p:cSld>
@@ -7628,7 +7341,7 @@
           <p:cNvPr id="2" name="Title 1">
             <a:extLst>
               <a:ext uri="{FF2B5EF4-FFF2-40B4-BE49-F238E27FC236}">
-                <a16:creationId xmlns:a16="http://schemas.microsoft.com/office/drawing/2014/main" id="{F85EE264-F5A2-486F-3FC0-AD211BC7632E}"/>
+                <a16:creationId xmlns:a16="http://schemas.microsoft.com/office/drawing/2014/main" id="{5CDB0C79-AFC5-D7B8-0841-93A840C868A6}"/>
               </a:ext>
             </a:extLst>
           </p:cNvPr>
@@ -7641,8 +7354,8 @@
         </p:nvSpPr>
         <p:spPr>
           <a:xfrm>
-            <a:off x="0" y="0"/>
-            <a:ext cx="7613226" cy="822960"/>
+            <a:off x="98214" y="0"/>
+            <a:ext cx="8596668" cy="1320800"/>
           </a:xfrm>
         </p:spPr>
         <p:txBody>
@@ -7650,10 +7363,9 @@
           <a:lstStyle/>
           <a:p>
             <a:r>
-              <a:rPr lang="en-US" dirty="0"/>
-              <a:t>Method</a:t>
-            </a:r>
-            <a:endParaRPr lang="en-IN" dirty="0"/>
+              <a:rPr lang="en-IN" dirty="0"/>
+              <a:t>Taking Readings</a:t>
+            </a:r>
           </a:p>
         </p:txBody>
       </p:sp>
@@ -7662,7 +7374,7 @@
           <p:cNvPr id="3" name="Content Placeholder 2">
             <a:extLst>
               <a:ext uri="{FF2B5EF4-FFF2-40B4-BE49-F238E27FC236}">
-                <a16:creationId xmlns:a16="http://schemas.microsoft.com/office/drawing/2014/main" id="{A67C1019-74BA-6EB8-A1B4-F57F371F3507}"/>
+                <a16:creationId xmlns:a16="http://schemas.microsoft.com/office/drawing/2014/main" id="{FAEE1BD9-3C72-85B0-0CC3-6298D548DCCE}"/>
               </a:ext>
             </a:extLst>
           </p:cNvPr>
@@ -7675,13 +7387,13 @@
         </p:nvSpPr>
         <p:spPr>
           <a:xfrm>
-            <a:off x="0" y="612934"/>
-            <a:ext cx="3295226" cy="420051"/>
+            <a:off x="98214" y="660400"/>
+            <a:ext cx="2380826" cy="572451"/>
           </a:xfrm>
         </p:spPr>
         <p:txBody>
           <a:bodyPr>
-            <a:noAutofit/>
+            <a:normAutofit/>
           </a:bodyPr>
           <a:lstStyle/>
           <a:p>
@@ -7689,19 +7401,18 @@
               <a:buNone/>
             </a:pPr>
             <a:r>
-              <a:rPr lang="en-US" sz="2400" b="1" dirty="0"/>
-              <a:t>Analyzing results</a:t>
-            </a:r>
-            <a:endParaRPr lang="en-IN" sz="2400" b="1" dirty="0"/>
-          </a:p>
-        </p:txBody>
-      </p:sp>
-      <p:sp>
-        <p:nvSpPr>
-          <p:cNvPr id="5" name="TextBox 4">
-            <a:extLst>
-              <a:ext uri="{FF2B5EF4-FFF2-40B4-BE49-F238E27FC236}">
-                <a16:creationId xmlns:a16="http://schemas.microsoft.com/office/drawing/2014/main" id="{1F2AE658-59C0-F1E2-8D86-367B43203407}"/>
+              <a:rPr lang="en-IN" sz="2400" b="1" dirty="0"/>
+              <a:t>Setup</a:t>
+            </a:r>
+          </a:p>
+        </p:txBody>
+      </p:sp>
+      <p:sp>
+        <p:nvSpPr>
+          <p:cNvPr id="4" name="TextBox 3">
+            <a:extLst>
+              <a:ext uri="{FF2B5EF4-FFF2-40B4-BE49-F238E27FC236}">
+                <a16:creationId xmlns:a16="http://schemas.microsoft.com/office/drawing/2014/main" id="{46144DAE-988D-0346-B1BE-EA17BB7F9ED1}"/>
               </a:ext>
             </a:extLst>
           </p:cNvPr>
@@ -7710,8 +7421,8 @@
         </p:nvSpPr>
         <p:spPr>
           <a:xfrm>
-            <a:off x="5454226" y="1951672"/>
-            <a:ext cx="4318000" cy="1477328"/>
+            <a:off x="0" y="1412240"/>
+            <a:ext cx="2631440" cy="369332"/>
           </a:xfrm>
           <a:prstGeom prst="rect">
             <a:avLst/>
@@ -7725,49 +7436,18 @@
           <a:lstStyle/>
           <a:p>
             <a:r>
-              <a:rPr lang="en-US" dirty="0"/>
-              <a:t>To test if this is the case, we increased the initial angular velocity, the disc completes multiple full rotations before resuming its oscillating motion, aligning with expected mechanical principles.</a:t>
-            </a:r>
-            <a:endParaRPr lang="en-IN" dirty="0"/>
-          </a:p>
-        </p:txBody>
-      </p:sp>
-      <p:pic>
-        <p:nvPicPr>
-          <p:cNvPr id="7" name="Picture 6">
-            <a:extLst>
-              <a:ext uri="{FF2B5EF4-FFF2-40B4-BE49-F238E27FC236}">
-                <a16:creationId xmlns:a16="http://schemas.microsoft.com/office/drawing/2014/main" id="{018E4C5D-24E6-20EC-687E-14923A1C85BA}"/>
-              </a:ext>
-            </a:extLst>
-          </p:cNvPr>
-          <p:cNvPicPr>
-            <a:picLocks noChangeAspect="1"/>
-          </p:cNvPicPr>
-          <p:nvPr/>
-        </p:nvPicPr>
-        <p:blipFill>
-          <a:blip r:embed="rId2"/>
-          <a:stretch>
-            <a:fillRect/>
-          </a:stretch>
-        </p:blipFill>
-        <p:spPr>
-          <a:xfrm>
-            <a:off x="88054" y="1121091"/>
-            <a:ext cx="5334744" cy="4267796"/>
-          </a:xfrm>
-          <a:prstGeom prst="rect">
-            <a:avLst/>
-          </a:prstGeom>
-        </p:spPr>
-      </p:pic>
-      <p:sp>
-        <p:nvSpPr>
-          <p:cNvPr id="8" name="TextBox 7">
-            <a:extLst>
-              <a:ext uri="{FF2B5EF4-FFF2-40B4-BE49-F238E27FC236}">
-                <a16:creationId xmlns:a16="http://schemas.microsoft.com/office/drawing/2014/main" id="{79AB37F9-A0F0-6B30-8B45-6839AAEE837E}"/>
+              <a:rPr lang="en-IN" b="1" dirty="0"/>
+              <a:t>Taking Data</a:t>
+            </a:r>
+          </a:p>
+        </p:txBody>
+      </p:sp>
+      <p:sp>
+        <p:nvSpPr>
+          <p:cNvPr id="5" name="TextBox 4">
+            <a:extLst>
+              <a:ext uri="{FF2B5EF4-FFF2-40B4-BE49-F238E27FC236}">
+                <a16:creationId xmlns:a16="http://schemas.microsoft.com/office/drawing/2014/main" id="{7C4874CC-CA34-74F3-B849-220AFC46A738}"/>
               </a:ext>
             </a:extLst>
           </p:cNvPr>
@@ -7776,8 +7456,8 @@
         </p:nvSpPr>
         <p:spPr>
           <a:xfrm>
-            <a:off x="5569911" y="4188558"/>
-            <a:ext cx="3891280" cy="1200329"/>
+            <a:off x="0" y="1801811"/>
+            <a:ext cx="3322320" cy="369332"/>
           </a:xfrm>
           <a:prstGeom prst="rect">
             <a:avLst/>
@@ -7791,8 +7471,114 @@
           <a:lstStyle/>
           <a:p>
             <a:r>
+              <a:rPr lang="en-IN" b="1" dirty="0"/>
+              <a:t>Observing Motion</a:t>
+            </a:r>
+          </a:p>
+        </p:txBody>
+      </p:sp>
+      <p:sp>
+        <p:nvSpPr>
+          <p:cNvPr id="6" name="TextBox 5">
+            <a:extLst>
+              <a:ext uri="{FF2B5EF4-FFF2-40B4-BE49-F238E27FC236}">
+                <a16:creationId xmlns:a16="http://schemas.microsoft.com/office/drawing/2014/main" id="{50ACCB58-B570-CD4E-987C-FD2007E41461}"/>
+              </a:ext>
+            </a:extLst>
+          </p:cNvPr>
+          <p:cNvSpPr txBox="1"/>
+          <p:nvPr/>
+        </p:nvSpPr>
+        <p:spPr>
+          <a:xfrm>
+            <a:off x="98214" y="2296160"/>
+            <a:ext cx="9990666" cy="1477328"/>
+          </a:xfrm>
+          <a:prstGeom prst="rect">
+            <a:avLst/>
+          </a:prstGeom>
+          <a:noFill/>
+        </p:spPr>
+        <p:txBody>
+          <a:bodyPr wrap="square" rtlCol="0">
+            <a:spAutoFit/>
+          </a:bodyPr>
+          <a:lstStyle/>
+          <a:p>
+            <a:r>
               <a:rPr lang="en-US" dirty="0"/>
-              <a:t>Figure 5: Same variables from figure 3, however the initial angular velocity has been increased from -1 to -3.</a:t>
+              <a:t>Stability Consideration: The square’s placement at the top of the disc creates an unstable equilibrium, allowing the small force from blowing to initiate movement effectively. – Data Collection: Use a high-speed camera to record the disc’s motion. Secure the camera to prevent any movement during the recording process. Aim to capture a sufficient duration to analyze the motion comprehensively.</a:t>
+            </a:r>
+            <a:endParaRPr lang="en-IN" dirty="0"/>
+          </a:p>
+        </p:txBody>
+      </p:sp>
+      <p:sp>
+        <p:nvSpPr>
+          <p:cNvPr id="7" name="TextBox 6">
+            <a:extLst>
+              <a:ext uri="{FF2B5EF4-FFF2-40B4-BE49-F238E27FC236}">
+                <a16:creationId xmlns:a16="http://schemas.microsoft.com/office/drawing/2014/main" id="{342004EB-5FC5-88FE-8459-043A2D5C5EF0}"/>
+              </a:ext>
+            </a:extLst>
+          </p:cNvPr>
+          <p:cNvSpPr txBox="1"/>
+          <p:nvPr/>
+        </p:nvSpPr>
+        <p:spPr>
+          <a:xfrm>
+            <a:off x="98214" y="3960614"/>
+            <a:ext cx="2834640" cy="369332"/>
+          </a:xfrm>
+          <a:prstGeom prst="rect">
+            <a:avLst/>
+          </a:prstGeom>
+          <a:noFill/>
+        </p:spPr>
+        <p:txBody>
+          <a:bodyPr wrap="square" rtlCol="0">
+            <a:spAutoFit/>
+          </a:bodyPr>
+          <a:lstStyle/>
+          <a:p>
+            <a:r>
+              <a:rPr lang="en-IN" b="1" dirty="0"/>
+              <a:t>Multiple Trials</a:t>
+            </a:r>
+          </a:p>
+        </p:txBody>
+      </p:sp>
+      <p:sp>
+        <p:nvSpPr>
+          <p:cNvPr id="8" name="TextBox 7">
+            <a:extLst>
+              <a:ext uri="{FF2B5EF4-FFF2-40B4-BE49-F238E27FC236}">
+                <a16:creationId xmlns:a16="http://schemas.microsoft.com/office/drawing/2014/main" id="{F5A5D0C8-638C-5530-BE9A-8E7A80DB4DBA}"/>
+              </a:ext>
+            </a:extLst>
+          </p:cNvPr>
+          <p:cNvSpPr txBox="1"/>
+          <p:nvPr/>
+        </p:nvSpPr>
+        <p:spPr>
+          <a:xfrm>
+            <a:off x="98214" y="4425682"/>
+            <a:ext cx="9167706" cy="646331"/>
+          </a:xfrm>
+          <a:prstGeom prst="rect">
+            <a:avLst/>
+          </a:prstGeom>
+          <a:noFill/>
+        </p:spPr>
+        <p:txBody>
+          <a:bodyPr wrap="square" rtlCol="0">
+            <a:spAutoFit/>
+          </a:bodyPr>
+          <a:lstStyle/>
+          <a:p>
+            <a:r>
+              <a:rPr lang="en-US" dirty="0"/>
+              <a:t>Trial Protocol: Conduct a minimum of three trials for each setup to enhance reliability. Record any variations in conditions between trials for further analysis.</a:t>
             </a:r>
             <a:endParaRPr lang="en-IN" dirty="0"/>
           </a:p>
@@ -7801,13 +7587,25 @@
     </p:spTree>
     <p:extLst>
       <p:ext uri="{BB962C8B-B14F-4D97-AF65-F5344CB8AC3E}">
-        <p14:creationId xmlns:p14="http://schemas.microsoft.com/office/powerpoint/2010/main" val="1644692586"/>
+        <p14:creationId xmlns:p14="http://schemas.microsoft.com/office/powerpoint/2010/main" val="256393950"/>
       </p:ext>
     </p:extLst>
   </p:cSld>
   <p:clrMapOvr>
     <a:masterClrMapping/>
   </p:clrMapOvr>
+  <mc:AlternateContent xmlns:mc="http://schemas.openxmlformats.org/markup-compatibility/2006" xmlns:p14="http://schemas.microsoft.com/office/powerpoint/2010/main">
+    <mc:Choice Requires="p14">
+      <p:transition spd="med" p14:dur="700">
+        <p:fade/>
+      </p:transition>
+    </mc:Choice>
+    <mc:Fallback xmlns="">
+      <p:transition spd="med">
+        <p:fade/>
+      </p:transition>
+    </mc:Fallback>
+  </mc:AlternateContent>
 </p:sld>
 </file>
 
@@ -7833,7 +7631,7 @@
           <p:cNvPr id="2" name="Title 1">
             <a:extLst>
               <a:ext uri="{FF2B5EF4-FFF2-40B4-BE49-F238E27FC236}">
-                <a16:creationId xmlns:a16="http://schemas.microsoft.com/office/drawing/2014/main" id="{2DD9FC67-35CC-95F8-8F57-F4A73BF5EC8A}"/>
+                <a16:creationId xmlns:a16="http://schemas.microsoft.com/office/drawing/2014/main" id="{ABE06A56-785A-5F58-FDA7-8297FD4196D3}"/>
               </a:ext>
             </a:extLst>
           </p:cNvPr>
@@ -7847,7 +7645,7 @@
         <p:spPr>
           <a:xfrm>
             <a:off x="0" y="0"/>
-            <a:ext cx="8596668" cy="1320800"/>
+            <a:ext cx="8596668" cy="816638"/>
           </a:xfrm>
         </p:spPr>
         <p:txBody>
@@ -7856,12 +7654,8 @@
           <a:p>
             <a:r>
               <a:rPr lang="en-IN" dirty="0"/>
-              <a:t>Taking Readings</a:t>
-            </a:r>
-            <a:br>
-              <a:rPr lang="en-IN" dirty="0"/>
-            </a:br>
-            <a:endParaRPr lang="en-IN" dirty="0"/>
+              <a:t>Taking readings</a:t>
+            </a:r>
           </a:p>
         </p:txBody>
       </p:sp>
@@ -7870,7 +7664,7 @@
           <p:cNvPr id="3" name="Content Placeholder 2">
             <a:extLst>
               <a:ext uri="{FF2B5EF4-FFF2-40B4-BE49-F238E27FC236}">
-                <a16:creationId xmlns:a16="http://schemas.microsoft.com/office/drawing/2014/main" id="{5E487A54-A8A6-A2BB-FC0D-DFFBD52991ED}"/>
+                <a16:creationId xmlns:a16="http://schemas.microsoft.com/office/drawing/2014/main" id="{4911C03D-D215-8CAB-FB8B-F7EA8EC96536}"/>
               </a:ext>
             </a:extLst>
           </p:cNvPr>
@@ -7883,8 +7677,8 @@
         </p:nvSpPr>
         <p:spPr>
           <a:xfrm>
-            <a:off x="108374" y="660400"/>
-            <a:ext cx="2838026" cy="460691"/>
+            <a:off x="27094" y="646749"/>
+            <a:ext cx="6068906" cy="531811"/>
           </a:xfrm>
         </p:spPr>
         <p:txBody>
@@ -7898,7 +7692,7 @@
             </a:pPr>
             <a:r>
               <a:rPr lang="en-IN" sz="2400" b="1" dirty="0"/>
-              <a:t>Setup</a:t>
+              <a:t>Data Processing</a:t>
             </a:r>
           </a:p>
         </p:txBody>
@@ -7908,7 +7702,7 @@
           <p:cNvPr id="4" name="TextBox 3">
             <a:extLst>
               <a:ext uri="{FF2B5EF4-FFF2-40B4-BE49-F238E27FC236}">
-                <a16:creationId xmlns:a16="http://schemas.microsoft.com/office/drawing/2014/main" id="{4810A6C8-A6BB-5A3D-22E5-E6BB280F58B1}"/>
+                <a16:creationId xmlns:a16="http://schemas.microsoft.com/office/drawing/2014/main" id="{65B4DD26-21D2-F837-95CC-CD52F427BAAC}"/>
               </a:ext>
             </a:extLst>
           </p:cNvPr>
@@ -7917,8 +7711,8 @@
         </p:nvSpPr>
         <p:spPr>
           <a:xfrm>
-            <a:off x="108374" y="1320800"/>
-            <a:ext cx="3579706" cy="369332"/>
+            <a:off x="27094" y="1455977"/>
+            <a:ext cx="4450080" cy="369332"/>
           </a:xfrm>
           <a:prstGeom prst="rect">
             <a:avLst/>
@@ -7933,7 +7727,7 @@
           <a:p>
             <a:r>
               <a:rPr lang="en-IN" b="1" dirty="0"/>
-              <a:t>Equipment Calibration:</a:t>
+              <a:t>Colour Recognition</a:t>
             </a:r>
           </a:p>
         </p:txBody>
@@ -7943,7 +7737,7 @@
           <p:cNvPr id="5" name="TextBox 4">
             <a:extLst>
               <a:ext uri="{FF2B5EF4-FFF2-40B4-BE49-F238E27FC236}">
-                <a16:creationId xmlns:a16="http://schemas.microsoft.com/office/drawing/2014/main" id="{6F420D1A-E913-FEB2-D287-EC63CD0296F9}"/>
+                <a16:creationId xmlns:a16="http://schemas.microsoft.com/office/drawing/2014/main" id="{47B99DFF-3865-9567-E199-E1AE19042186}"/>
               </a:ext>
             </a:extLst>
           </p:cNvPr>
@@ -7952,8 +7746,8 @@
         </p:nvSpPr>
         <p:spPr>
           <a:xfrm>
-            <a:off x="0" y="1663224"/>
-            <a:ext cx="10119360" cy="1477328"/>
+            <a:off x="0" y="1825309"/>
+            <a:ext cx="9814560" cy="646331"/>
           </a:xfrm>
           <a:prstGeom prst="rect">
             <a:avLst/>
@@ -7968,7 +7762,7 @@
           <a:p>
             <a:r>
               <a:rPr lang="en-US" dirty="0"/>
-              <a:t>Configuration: Set up the apparatus as illustrated, ensuring the square is positioned at a specified distance from the center of the disc to maximize potential energy without interfering with the rails. - Calibration: Calibrate all measuring equipment (e.g., cameras, rulers) before the experiment to ensure accurate measurements in both pixels and real dimensions. Document calibration settings (e.g., camera resolution, frame rate).</a:t>
+              <a:t>MATLAB Analysis: Process the recorded video using MATLAB. Implement a color recognition algorithm to identify the square’s color and convert video frames into pixel coordinates.</a:t>
             </a:r>
             <a:endParaRPr lang="en-IN" dirty="0"/>
           </a:p>
@@ -7979,7 +7773,7 @@
           <p:cNvPr id="6" name="TextBox 5">
             <a:extLst>
               <a:ext uri="{FF2B5EF4-FFF2-40B4-BE49-F238E27FC236}">
-                <a16:creationId xmlns:a16="http://schemas.microsoft.com/office/drawing/2014/main" id="{AF47054B-CF25-3DCA-EF3F-E12725C46B15}"/>
+                <a16:creationId xmlns:a16="http://schemas.microsoft.com/office/drawing/2014/main" id="{F9ACB18B-4568-F34E-F522-21BCBC5BD3A8}"/>
               </a:ext>
             </a:extLst>
           </p:cNvPr>
@@ -7988,8 +7782,8 @@
         </p:nvSpPr>
         <p:spPr>
           <a:xfrm>
-            <a:off x="0" y="3358752"/>
-            <a:ext cx="3579706" cy="369332"/>
+            <a:off x="27094" y="3059668"/>
+            <a:ext cx="4450080" cy="369332"/>
           </a:xfrm>
           <a:prstGeom prst="rect">
             <a:avLst/>
@@ -8004,7 +7798,7 @@
           <a:p>
             <a:r>
               <a:rPr lang="en-IN" b="1" dirty="0"/>
-              <a:t>Controlled Environment:</a:t>
+              <a:t>Mean Pixel Calculation </a:t>
             </a:r>
           </a:p>
         </p:txBody>
@@ -8014,7 +7808,7 @@
           <p:cNvPr id="7" name="TextBox 6">
             <a:extLst>
               <a:ext uri="{FF2B5EF4-FFF2-40B4-BE49-F238E27FC236}">
-                <a16:creationId xmlns:a16="http://schemas.microsoft.com/office/drawing/2014/main" id="{4FB0AA3B-9D14-39A5-A145-8D1768648B0B}"/>
+                <a16:creationId xmlns:a16="http://schemas.microsoft.com/office/drawing/2014/main" id="{A5A19A9B-E7B2-4584-1CA6-D74C07C29321}"/>
               </a:ext>
             </a:extLst>
           </p:cNvPr>
@@ -8023,8 +7817,8 @@
         </p:nvSpPr>
         <p:spPr>
           <a:xfrm>
-            <a:off x="0" y="3717449"/>
-            <a:ext cx="10525760" cy="646331"/>
+            <a:off x="27094" y="3429000"/>
+            <a:ext cx="9885680" cy="646331"/>
           </a:xfrm>
           <a:prstGeom prst="rect">
             <a:avLst/>
@@ -8039,7 +7833,7 @@
           <a:p>
             <a:r>
               <a:rPr lang="en-US" dirty="0"/>
-              <a:t>Indoor Experimentation: Experiment in a controlled indoor environment to minimize external factors like wind or air currents. Ensure consistent lighting for video recording.</a:t>
+              <a:t>Tracking Position: At each timestep, calculate the mean of the pixel coordinates to track the square’s position over time. Document the method used for calculating the mean.</a:t>
             </a:r>
             <a:endParaRPr lang="en-IN" dirty="0"/>
           </a:p>
@@ -8050,7 +7844,7 @@
           <p:cNvPr id="8" name="TextBox 7">
             <a:extLst>
               <a:ext uri="{FF2B5EF4-FFF2-40B4-BE49-F238E27FC236}">
-                <a16:creationId xmlns:a16="http://schemas.microsoft.com/office/drawing/2014/main" id="{63ABC49D-5865-40D3-F0C2-EDF5E29DD6CC}"/>
+                <a16:creationId xmlns:a16="http://schemas.microsoft.com/office/drawing/2014/main" id="{B656CCB4-A78E-EE5B-BE95-8EB4C5ED9D61}"/>
               </a:ext>
             </a:extLst>
           </p:cNvPr>
@@ -8059,8 +7853,8 @@
         </p:nvSpPr>
         <p:spPr>
           <a:xfrm>
-            <a:off x="38947" y="4537811"/>
-            <a:ext cx="2976880" cy="369332"/>
+            <a:off x="91440" y="4736646"/>
+            <a:ext cx="4450080" cy="369332"/>
           </a:xfrm>
           <a:prstGeom prst="rect">
             <a:avLst/>
@@ -8075,7 +7869,7 @@
           <a:p>
             <a:r>
               <a:rPr lang="en-IN" b="1" dirty="0"/>
-              <a:t>Initial Conditions:</a:t>
+              <a:t>Scaling to Real Size</a:t>
             </a:r>
           </a:p>
         </p:txBody>
@@ -8085,7 +7879,7 @@
           <p:cNvPr id="9" name="TextBox 8">
             <a:extLst>
               <a:ext uri="{FF2B5EF4-FFF2-40B4-BE49-F238E27FC236}">
-                <a16:creationId xmlns:a16="http://schemas.microsoft.com/office/drawing/2014/main" id="{3760D7F7-7DFB-8D5A-CBE4-834CA1D8FCFB}"/>
+                <a16:creationId xmlns:a16="http://schemas.microsoft.com/office/drawing/2014/main" id="{031D3EA3-095E-31DC-E09D-DF81BEC4685E}"/>
               </a:ext>
             </a:extLst>
           </p:cNvPr>
@@ -8094,8 +7888,8 @@
         </p:nvSpPr>
         <p:spPr>
           <a:xfrm>
-            <a:off x="108374" y="5020607"/>
-            <a:ext cx="9716346" cy="923330"/>
+            <a:off x="91440" y="5130800"/>
+            <a:ext cx="9794240" cy="923330"/>
           </a:xfrm>
           <a:prstGeom prst="rect">
             <a:avLst/>
@@ -8110,7 +7904,7 @@
           <a:p>
             <a:r>
               <a:rPr lang="en-US" dirty="0"/>
-              <a:t>Maximize initial potential energy with zero initial kinetic energy for effective energy conversion. Use minimal force, like a gentle side push, to displace the disc without altering initial conditions.</a:t>
+              <a:t>Scale Factor Determination: Establish a scale factor by measuring the actual dimensions of the frame and comparing them to the corresponding pixel dimensions. Ensure consistency in measurements</a:t>
             </a:r>
             <a:endParaRPr lang="en-IN" dirty="0"/>
           </a:p>
@@ -8119,7 +7913,7 @@
     </p:spTree>
     <p:extLst>
       <p:ext uri="{BB962C8B-B14F-4D97-AF65-F5344CB8AC3E}">
-        <p14:creationId xmlns:p14="http://schemas.microsoft.com/office/powerpoint/2010/main" val="76344207"/>
+        <p14:creationId xmlns:p14="http://schemas.microsoft.com/office/powerpoint/2010/main" val="3440380212"/>
       </p:ext>
     </p:extLst>
   </p:cSld>
@@ -8163,7 +7957,7 @@
           <p:cNvPr id="2" name="Title 1">
             <a:extLst>
               <a:ext uri="{FF2B5EF4-FFF2-40B4-BE49-F238E27FC236}">
-                <a16:creationId xmlns:a16="http://schemas.microsoft.com/office/drawing/2014/main" id="{5CDB0C79-AFC5-D7B8-0841-93A840C868A6}"/>
+                <a16:creationId xmlns:a16="http://schemas.microsoft.com/office/drawing/2014/main" id="{EC9E960E-B858-A048-F0CB-AD227EEBBFE8}"/>
               </a:ext>
             </a:extLst>
           </p:cNvPr>
@@ -8176,8 +7970,8 @@
         </p:nvSpPr>
         <p:spPr>
           <a:xfrm>
-            <a:off x="98214" y="0"/>
-            <a:ext cx="8596668" cy="1320800"/>
+            <a:off x="0" y="0"/>
+            <a:ext cx="8596668" cy="816638"/>
           </a:xfrm>
         </p:spPr>
         <p:txBody>
@@ -8186,7 +7980,7 @@
           <a:p>
             <a:r>
               <a:rPr lang="en-IN" dirty="0"/>
-              <a:t>Taking Readings</a:t>
+              <a:t>Taking readings</a:t>
             </a:r>
           </a:p>
         </p:txBody>
@@ -8196,7 +7990,7 @@
           <p:cNvPr id="3" name="Content Placeholder 2">
             <a:extLst>
               <a:ext uri="{FF2B5EF4-FFF2-40B4-BE49-F238E27FC236}">
-                <a16:creationId xmlns:a16="http://schemas.microsoft.com/office/drawing/2014/main" id="{FAEE1BD9-3C72-85B0-0CC3-6298D548DCCE}"/>
+                <a16:creationId xmlns:a16="http://schemas.microsoft.com/office/drawing/2014/main" id="{41B0E4CF-6822-843A-0AC5-1FA2FD362A9C}"/>
               </a:ext>
             </a:extLst>
           </p:cNvPr>
@@ -8209,8 +8003,8 @@
         </p:nvSpPr>
         <p:spPr>
           <a:xfrm>
-            <a:off x="98214" y="660400"/>
-            <a:ext cx="2380826" cy="572451"/>
+            <a:off x="0" y="687389"/>
+            <a:ext cx="8596668" cy="552131"/>
           </a:xfrm>
         </p:spPr>
         <p:txBody>
@@ -8224,7 +8018,7 @@
             </a:pPr>
             <a:r>
               <a:rPr lang="en-IN" sz="2400" b="1" dirty="0"/>
-              <a:t>Setup</a:t>
+              <a:t>Data Processing</a:t>
             </a:r>
           </a:p>
         </p:txBody>
@@ -8234,7 +8028,7 @@
           <p:cNvPr id="4" name="TextBox 3">
             <a:extLst>
               <a:ext uri="{FF2B5EF4-FFF2-40B4-BE49-F238E27FC236}">
-                <a16:creationId xmlns:a16="http://schemas.microsoft.com/office/drawing/2014/main" id="{46144DAE-988D-0346-B1BE-EA17BB7F9ED1}"/>
+                <a16:creationId xmlns:a16="http://schemas.microsoft.com/office/drawing/2014/main" id="{8254DBD2-70FD-6E53-7703-16DE3CBB2DFA}"/>
               </a:ext>
             </a:extLst>
           </p:cNvPr>
@@ -8243,8 +8037,8 @@
         </p:nvSpPr>
         <p:spPr>
           <a:xfrm>
-            <a:off x="0" y="1412240"/>
-            <a:ext cx="2631440" cy="369332"/>
+            <a:off x="71120" y="1735574"/>
+            <a:ext cx="3169920" cy="369332"/>
           </a:xfrm>
           <a:prstGeom prst="rect">
             <a:avLst/>
@@ -8259,7 +8053,7 @@
           <a:p>
             <a:r>
               <a:rPr lang="en-IN" b="1" dirty="0"/>
-              <a:t>Taking Data</a:t>
+              <a:t>Data Visualization</a:t>
             </a:r>
           </a:p>
         </p:txBody>
@@ -8269,7 +8063,7 @@
           <p:cNvPr id="5" name="TextBox 4">
             <a:extLst>
               <a:ext uri="{FF2B5EF4-FFF2-40B4-BE49-F238E27FC236}">
-                <a16:creationId xmlns:a16="http://schemas.microsoft.com/office/drawing/2014/main" id="{7C4874CC-CA34-74F3-B849-220AFC46A738}"/>
+                <a16:creationId xmlns:a16="http://schemas.microsoft.com/office/drawing/2014/main" id="{8923A3CE-684C-BAC8-0514-DCD17972A81C}"/>
               </a:ext>
             </a:extLst>
           </p:cNvPr>
@@ -8278,8 +8072,8 @@
         </p:nvSpPr>
         <p:spPr>
           <a:xfrm>
-            <a:off x="0" y="1801811"/>
-            <a:ext cx="3322320" cy="369332"/>
+            <a:off x="0" y="2104906"/>
+            <a:ext cx="10271760" cy="923330"/>
           </a:xfrm>
           <a:prstGeom prst="rect">
             <a:avLst/>
@@ -8293,9 +8087,10 @@
           <a:lstStyle/>
           <a:p>
             <a:r>
-              <a:rPr lang="en-IN" b="1" dirty="0"/>
-              <a:t>Observing Motion</a:t>
-            </a:r>
+              <a:rPr lang="en-US" dirty="0"/>
+              <a:t>Graphical Representation: Present the data as a scatter graph, with time on the x-axis and position on the y-axis. Fit a polynomial to the data to analyze the relationship between position and time. Discuss the rationale behind the choice of polynomial degree.</a:t>
+            </a:r>
+            <a:endParaRPr lang="en-IN" dirty="0"/>
           </a:p>
         </p:txBody>
       </p:sp>
@@ -8304,7 +8099,7 @@
           <p:cNvPr id="6" name="TextBox 5">
             <a:extLst>
               <a:ext uri="{FF2B5EF4-FFF2-40B4-BE49-F238E27FC236}">
-                <a16:creationId xmlns:a16="http://schemas.microsoft.com/office/drawing/2014/main" id="{50ACCB58-B570-CD4E-987C-FD2007E41461}"/>
+                <a16:creationId xmlns:a16="http://schemas.microsoft.com/office/drawing/2014/main" id="{CB3F7E4E-676B-F121-90CA-45F5D1795CE5}"/>
               </a:ext>
             </a:extLst>
           </p:cNvPr>
@@ -8313,8 +8108,8 @@
         </p:nvSpPr>
         <p:spPr>
           <a:xfrm>
-            <a:off x="98214" y="2296160"/>
-            <a:ext cx="9990666" cy="1477328"/>
+            <a:off x="71120" y="3708956"/>
+            <a:ext cx="3169920" cy="369332"/>
           </a:xfrm>
           <a:prstGeom prst="rect">
             <a:avLst/>
@@ -8328,10 +8123,9 @@
           <a:lstStyle/>
           <a:p>
             <a:r>
-              <a:rPr lang="en-US" dirty="0"/>
-              <a:t>Stability Consideration: The square’s placement at the top of the disc creates an unstable equilibrium, allowing the small force from blowing to initiate movement effectively. – Data Collection: Use a high-speed camera to record the disc’s motion. Secure the camera to prevent any movement during the recording process. Aim to capture a sufficient duration to analyze the motion comprehensively.</a:t>
-            </a:r>
-            <a:endParaRPr lang="en-IN" dirty="0"/>
+              <a:rPr lang="en-IN" b="1" dirty="0"/>
+              <a:t>Error Analysis</a:t>
+            </a:r>
           </a:p>
         </p:txBody>
       </p:sp>
@@ -8340,7 +8134,7 @@
           <p:cNvPr id="7" name="TextBox 6">
             <a:extLst>
               <a:ext uri="{FF2B5EF4-FFF2-40B4-BE49-F238E27FC236}">
-                <a16:creationId xmlns:a16="http://schemas.microsoft.com/office/drawing/2014/main" id="{342004EB-5FC5-88FE-8459-043A2D5C5EF0}"/>
+                <a16:creationId xmlns:a16="http://schemas.microsoft.com/office/drawing/2014/main" id="{5F524771-F500-E5B6-B3DC-15C42E40A5B6}"/>
               </a:ext>
             </a:extLst>
           </p:cNvPr>
@@ -8349,8 +8143,8 @@
         </p:nvSpPr>
         <p:spPr>
           <a:xfrm>
-            <a:off x="98214" y="3960614"/>
-            <a:ext cx="2834640" cy="369332"/>
+            <a:off x="71120" y="4158843"/>
+            <a:ext cx="9773920" cy="923330"/>
           </a:xfrm>
           <a:prstGeom prst="rect">
             <a:avLst/>
@@ -8364,43 +8158,8 @@
           <a:lstStyle/>
           <a:p>
             <a:r>
-              <a:rPr lang="en-IN" b="1" dirty="0"/>
-              <a:t>Multiple Trials</a:t>
-            </a:r>
-          </a:p>
-        </p:txBody>
-      </p:sp>
-      <p:sp>
-        <p:nvSpPr>
-          <p:cNvPr id="8" name="TextBox 7">
-            <a:extLst>
-              <a:ext uri="{FF2B5EF4-FFF2-40B4-BE49-F238E27FC236}">
-                <a16:creationId xmlns:a16="http://schemas.microsoft.com/office/drawing/2014/main" id="{F5A5D0C8-638C-5530-BE9A-8E7A80DB4DBA}"/>
-              </a:ext>
-            </a:extLst>
-          </p:cNvPr>
-          <p:cNvSpPr txBox="1"/>
-          <p:nvPr/>
-        </p:nvSpPr>
-        <p:spPr>
-          <a:xfrm>
-            <a:off x="98214" y="4425682"/>
-            <a:ext cx="9167706" cy="646331"/>
-          </a:xfrm>
-          <a:prstGeom prst="rect">
-            <a:avLst/>
-          </a:prstGeom>
-          <a:noFill/>
-        </p:spPr>
-        <p:txBody>
-          <a:bodyPr wrap="square" rtlCol="0">
-            <a:spAutoFit/>
-          </a:bodyPr>
-          <a:lstStyle/>
-          <a:p>
-            <a:r>
               <a:rPr lang="en-US" dirty="0"/>
-              <a:t>Trial Protocol: Conduct a minimum of three trials for each setup to enhance reliability. Record any variations in conditions between trials for further analysis.</a:t>
+              <a:t>Identifying Errors: Identify potential sources of error, such as measurement inaccuracies, camera angle distortions, or limitations in color recognition. Develop strategies to mitigate these errors, including conducting multiple recordings and adjusting camera positioning.</a:t>
             </a:r>
             <a:endParaRPr lang="en-IN" dirty="0"/>
           </a:p>
@@ -8409,7 +8168,7 @@
     </p:spTree>
     <p:extLst>
       <p:ext uri="{BB962C8B-B14F-4D97-AF65-F5344CB8AC3E}">
-        <p14:creationId xmlns:p14="http://schemas.microsoft.com/office/powerpoint/2010/main" val="256393950"/>
+        <p14:creationId xmlns:p14="http://schemas.microsoft.com/office/powerpoint/2010/main" val="598204356"/>
       </p:ext>
     </p:extLst>
   </p:cSld>
@@ -8453,7 +8212,7 @@
           <p:cNvPr id="2" name="Title 1">
             <a:extLst>
               <a:ext uri="{FF2B5EF4-FFF2-40B4-BE49-F238E27FC236}">
-                <a16:creationId xmlns:a16="http://schemas.microsoft.com/office/drawing/2014/main" id="{ABE06A56-785A-5F58-FDA7-8297FD4196D3}"/>
+                <a16:creationId xmlns:a16="http://schemas.microsoft.com/office/drawing/2014/main" id="{E1B41152-86DA-8229-3C5E-6AF8CD64CC82}"/>
               </a:ext>
             </a:extLst>
           </p:cNvPr>
@@ -8467,7 +8226,7 @@
         <p:spPr>
           <a:xfrm>
             <a:off x="0" y="0"/>
-            <a:ext cx="8596668" cy="816638"/>
+            <a:ext cx="8453120" cy="711200"/>
           </a:xfrm>
         </p:spPr>
         <p:txBody>
@@ -8475,9 +8234,10 @@
           <a:lstStyle/>
           <a:p>
             <a:r>
-              <a:rPr lang="en-IN" dirty="0"/>
-              <a:t>Taking readings</a:t>
-            </a:r>
+              <a:rPr lang="en-US" dirty="0"/>
+              <a:t>Comparing Final Results</a:t>
+            </a:r>
+            <a:endParaRPr lang="en-IN" dirty="0"/>
           </a:p>
         </p:txBody>
       </p:sp>
@@ -8486,7 +8246,7 @@
           <p:cNvPr id="3" name="Content Placeholder 2">
             <a:extLst>
               <a:ext uri="{FF2B5EF4-FFF2-40B4-BE49-F238E27FC236}">
-                <a16:creationId xmlns:a16="http://schemas.microsoft.com/office/drawing/2014/main" id="{4911C03D-D215-8CAB-FB8B-F7EA8EC96536}"/>
+                <a16:creationId xmlns:a16="http://schemas.microsoft.com/office/drawing/2014/main" id="{E6E6A684-31C9-1EF9-D83F-652EFBED7936}"/>
               </a:ext>
             </a:extLst>
           </p:cNvPr>
@@ -8499,32 +8259,57 @@
         </p:nvSpPr>
         <p:spPr>
           <a:xfrm>
-            <a:off x="27094" y="646749"/>
-            <a:ext cx="6068906" cy="531811"/>
-          </a:xfrm>
-        </p:spPr>
-        <p:txBody>
-          <a:bodyPr>
-            <a:normAutofit/>
-          </a:bodyPr>
-          <a:lstStyle/>
-          <a:p>
-            <a:pPr marL="0" indent="0">
-              <a:buNone/>
-            </a:pPr>
-            <a:r>
-              <a:rPr lang="en-IN" sz="2400" b="1" dirty="0"/>
-              <a:t>Data Processing</a:t>
-            </a:r>
-          </a:p>
-        </p:txBody>
-      </p:sp>
-      <p:sp>
-        <p:nvSpPr>
-          <p:cNvPr id="4" name="TextBox 3">
-            <a:extLst>
-              <a:ext uri="{FF2B5EF4-FFF2-40B4-BE49-F238E27FC236}">
-                <a16:creationId xmlns:a16="http://schemas.microsoft.com/office/drawing/2014/main" id="{65B4DD26-21D2-F837-95CC-CD52F427BAAC}"/>
+            <a:off x="0" y="860109"/>
+            <a:ext cx="10129520" cy="2807651"/>
+          </a:xfrm>
+        </p:spPr>
+        <p:txBody>
+          <a:bodyPr/>
+          <a:lstStyle/>
+          <a:p>
+            <a:r>
+              <a:rPr lang="en-US" dirty="0"/>
+              <a:t>Through experimental data collection of the eccentric disk, results are plotted against the mathematical model, with adjustments made to account for practical conditions such as a reduced circular mass and low initial velocity. Additionally, due to differences in data collection—like origin and start time—the model results are adjusted by flipping and shifting to align with the experimental setup.</a:t>
+            </a:r>
+          </a:p>
+        </p:txBody>
+      </p:sp>
+      <p:pic>
+        <p:nvPicPr>
+          <p:cNvPr id="5" name="Picture 4">
+            <a:extLst>
+              <a:ext uri="{FF2B5EF4-FFF2-40B4-BE49-F238E27FC236}">
+                <a16:creationId xmlns:a16="http://schemas.microsoft.com/office/drawing/2014/main" id="{C014DBB2-B3A5-772D-C4A3-464A9AA0F6D2}"/>
+              </a:ext>
+            </a:extLst>
+          </p:cNvPr>
+          <p:cNvPicPr>
+            <a:picLocks noChangeAspect="1"/>
+          </p:cNvPicPr>
+          <p:nvPr/>
+        </p:nvPicPr>
+        <p:blipFill>
+          <a:blip r:embed="rId2"/>
+          <a:stretch>
+            <a:fillRect/>
+          </a:stretch>
+        </p:blipFill>
+        <p:spPr>
+          <a:xfrm>
+            <a:off x="0" y="2571152"/>
+            <a:ext cx="5353797" cy="4286848"/>
+          </a:xfrm>
+          <a:prstGeom prst="rect">
+            <a:avLst/>
+          </a:prstGeom>
+        </p:spPr>
+      </p:pic>
+      <p:sp>
+        <p:nvSpPr>
+          <p:cNvPr id="6" name="TextBox 5">
+            <a:extLst>
+              <a:ext uri="{FF2B5EF4-FFF2-40B4-BE49-F238E27FC236}">
+                <a16:creationId xmlns:a16="http://schemas.microsoft.com/office/drawing/2014/main" id="{1A268C5C-4B20-ACB5-E10A-E1D462F736AE}"/>
               </a:ext>
             </a:extLst>
           </p:cNvPr>
@@ -8533,8 +8318,8 @@
         </p:nvSpPr>
         <p:spPr>
           <a:xfrm>
-            <a:off x="27094" y="1455977"/>
-            <a:ext cx="4450080" cy="369332"/>
+            <a:off x="5679440" y="3667760"/>
+            <a:ext cx="3505200" cy="1754326"/>
           </a:xfrm>
           <a:prstGeom prst="rect">
             <a:avLst/>
@@ -8548,185 +8333,16 @@
           <a:lstStyle/>
           <a:p>
             <a:r>
-              <a:rPr lang="en-IN" b="1" dirty="0"/>
-              <a:t>Colour Recognition</a:t>
-            </a:r>
-          </a:p>
-        </p:txBody>
-      </p:sp>
-      <p:sp>
-        <p:nvSpPr>
-          <p:cNvPr id="5" name="TextBox 4">
-            <a:extLst>
-              <a:ext uri="{FF2B5EF4-FFF2-40B4-BE49-F238E27FC236}">
-                <a16:creationId xmlns:a16="http://schemas.microsoft.com/office/drawing/2014/main" id="{47B99DFF-3865-9567-E199-E1AE19042186}"/>
-              </a:ext>
-            </a:extLst>
-          </p:cNvPr>
-          <p:cNvSpPr txBox="1"/>
-          <p:nvPr/>
-        </p:nvSpPr>
-        <p:spPr>
-          <a:xfrm>
-            <a:off x="0" y="1825309"/>
-            <a:ext cx="9814560" cy="646331"/>
-          </a:xfrm>
-          <a:prstGeom prst="rect">
-            <a:avLst/>
-          </a:prstGeom>
-          <a:noFill/>
-        </p:spPr>
-        <p:txBody>
-          <a:bodyPr wrap="square" rtlCol="0">
-            <a:spAutoFit/>
-          </a:bodyPr>
-          <a:lstStyle/>
-          <a:p>
-            <a:r>
               <a:rPr lang="en-US" dirty="0"/>
-              <a:t>MATLAB Analysis: Process the recorded video using MATLAB. Implement a color recognition algorithm to identify the square’s color and convert video frames into pixel coordinates.</a:t>
-            </a:r>
-            <a:endParaRPr lang="en-IN" dirty="0"/>
-          </a:p>
-        </p:txBody>
-      </p:sp>
-      <p:sp>
-        <p:nvSpPr>
-          <p:cNvPr id="6" name="TextBox 5">
-            <a:extLst>
-              <a:ext uri="{FF2B5EF4-FFF2-40B4-BE49-F238E27FC236}">
-                <a16:creationId xmlns:a16="http://schemas.microsoft.com/office/drawing/2014/main" id="{F9ACB18B-4568-F34E-F522-21BCBC5BD3A8}"/>
-              </a:ext>
-            </a:extLst>
-          </p:cNvPr>
-          <p:cNvSpPr txBox="1"/>
-          <p:nvPr/>
-        </p:nvSpPr>
-        <p:spPr>
-          <a:xfrm>
-            <a:off x="27094" y="3059668"/>
-            <a:ext cx="4450080" cy="369332"/>
-          </a:xfrm>
-          <a:prstGeom prst="rect">
-            <a:avLst/>
-          </a:prstGeom>
-          <a:noFill/>
-        </p:spPr>
-        <p:txBody>
-          <a:bodyPr wrap="square" rtlCol="0">
-            <a:spAutoFit/>
-          </a:bodyPr>
-          <a:lstStyle/>
-          <a:p>
-            <a:r>
-              <a:rPr lang="en-IN" b="1" dirty="0"/>
-              <a:t>Mean Pixel Calculation </a:t>
-            </a:r>
-          </a:p>
-        </p:txBody>
-      </p:sp>
-      <p:sp>
-        <p:nvSpPr>
-          <p:cNvPr id="7" name="TextBox 6">
-            <a:extLst>
-              <a:ext uri="{FF2B5EF4-FFF2-40B4-BE49-F238E27FC236}">
-                <a16:creationId xmlns:a16="http://schemas.microsoft.com/office/drawing/2014/main" id="{A5A19A9B-E7B2-4584-1CA6-D74C07C29321}"/>
-              </a:ext>
-            </a:extLst>
-          </p:cNvPr>
-          <p:cNvSpPr txBox="1"/>
-          <p:nvPr/>
-        </p:nvSpPr>
-        <p:spPr>
-          <a:xfrm>
-            <a:off x="27094" y="3429000"/>
-            <a:ext cx="9885680" cy="646331"/>
-          </a:xfrm>
-          <a:prstGeom prst="rect">
-            <a:avLst/>
-          </a:prstGeom>
-          <a:noFill/>
-        </p:spPr>
-        <p:txBody>
-          <a:bodyPr wrap="square" rtlCol="0">
-            <a:spAutoFit/>
-          </a:bodyPr>
-          <a:lstStyle/>
-          <a:p>
+              <a:t>Figure 6: Results from the general model and experimental data overlayed where R = 0.07; c =0.03; g = 9.81; m = 0.1; mw = 0.6; </a:t>
+            </a:r>
+            <a:r>
+              <a:rPr lang="en-US" dirty="0" err="1"/>
+              <a:t>Rw</a:t>
+            </a:r>
             <a:r>
               <a:rPr lang="en-US" dirty="0"/>
-              <a:t>Tracking Position: At each timestep, calculate the mean of the pixel coordinates to track the square’s position over time. Document the method used for calculating the mean.</a:t>
-            </a:r>
-            <a:endParaRPr lang="en-IN" dirty="0"/>
-          </a:p>
-        </p:txBody>
-      </p:sp>
-      <p:sp>
-        <p:nvSpPr>
-          <p:cNvPr id="8" name="TextBox 7">
-            <a:extLst>
-              <a:ext uri="{FF2B5EF4-FFF2-40B4-BE49-F238E27FC236}">
-                <a16:creationId xmlns:a16="http://schemas.microsoft.com/office/drawing/2014/main" id="{B656CCB4-A78E-EE5B-BE95-8EB4C5ED9D61}"/>
-              </a:ext>
-            </a:extLst>
-          </p:cNvPr>
-          <p:cNvSpPr txBox="1"/>
-          <p:nvPr/>
-        </p:nvSpPr>
-        <p:spPr>
-          <a:xfrm>
-            <a:off x="91440" y="4736646"/>
-            <a:ext cx="4450080" cy="369332"/>
-          </a:xfrm>
-          <a:prstGeom prst="rect">
-            <a:avLst/>
-          </a:prstGeom>
-          <a:noFill/>
-        </p:spPr>
-        <p:txBody>
-          <a:bodyPr wrap="square" rtlCol="0">
-            <a:spAutoFit/>
-          </a:bodyPr>
-          <a:lstStyle/>
-          <a:p>
-            <a:r>
-              <a:rPr lang="en-IN" b="1" dirty="0"/>
-              <a:t>Scaling to Real Size</a:t>
-            </a:r>
-          </a:p>
-        </p:txBody>
-      </p:sp>
-      <p:sp>
-        <p:nvSpPr>
-          <p:cNvPr id="9" name="TextBox 8">
-            <a:extLst>
-              <a:ext uri="{FF2B5EF4-FFF2-40B4-BE49-F238E27FC236}">
-                <a16:creationId xmlns:a16="http://schemas.microsoft.com/office/drawing/2014/main" id="{031D3EA3-095E-31DC-E09D-DF81BEC4685E}"/>
-              </a:ext>
-            </a:extLst>
-          </p:cNvPr>
-          <p:cNvSpPr txBox="1"/>
-          <p:nvPr/>
-        </p:nvSpPr>
-        <p:spPr>
-          <a:xfrm>
-            <a:off x="91440" y="5130800"/>
-            <a:ext cx="9794240" cy="923330"/>
-          </a:xfrm>
-          <a:prstGeom prst="rect">
-            <a:avLst/>
-          </a:prstGeom>
-          <a:noFill/>
-        </p:spPr>
-        <p:txBody>
-          <a:bodyPr wrap="square" rtlCol="0">
-            <a:spAutoFit/>
-          </a:bodyPr>
-          <a:lstStyle/>
-          <a:p>
-            <a:r>
-              <a:rPr lang="en-US" dirty="0"/>
-              <a:t>Scale Factor Determination: Establish a scale factor by measuring the actual dimensions of the frame and comparing them to the corresponding pixel dimensions. Ensure consistency in measurements</a:t>
+              <a:t> = 0.2; d = 0.05;</a:t>
             </a:r>
             <a:endParaRPr lang="en-IN" dirty="0"/>
           </a:p>
@@ -8735,25 +8351,13 @@
     </p:spTree>
     <p:extLst>
       <p:ext uri="{BB962C8B-B14F-4D97-AF65-F5344CB8AC3E}">
-        <p14:creationId xmlns:p14="http://schemas.microsoft.com/office/powerpoint/2010/main" val="3440380212"/>
+        <p14:creationId xmlns:p14="http://schemas.microsoft.com/office/powerpoint/2010/main" val="3107003367"/>
       </p:ext>
     </p:extLst>
   </p:cSld>
   <p:clrMapOvr>
     <a:masterClrMapping/>
   </p:clrMapOvr>
-  <mc:AlternateContent xmlns:mc="http://schemas.openxmlformats.org/markup-compatibility/2006" xmlns:p14="http://schemas.microsoft.com/office/powerpoint/2010/main">
-    <mc:Choice Requires="p14">
-      <p:transition spd="med" p14:dur="700">
-        <p:fade/>
-      </p:transition>
-    </mc:Choice>
-    <mc:Fallback xmlns="">
-      <p:transition spd="med">
-        <p:fade/>
-      </p:transition>
-    </mc:Fallback>
-  </mc:AlternateContent>
 </p:sld>
 </file>
 
@@ -8850,7 +8454,7 @@
             </a:pPr>
             <a:r>
               <a:rPr lang="en-IN" b="1" dirty="0"/>
-              <a:t>Objective: Evaluate a rolling disc with a radial slot and material variation.</a:t>
+              <a:t>Objective: Evaluate a rolling disc with a mass fixed at different points along a radial slot.</a:t>
             </a:r>
           </a:p>
           <a:p>
@@ -8858,8 +8462,12 @@
               <a:buNone/>
             </a:pPr>
             <a:r>
+              <a:rPr lang="en-IN" dirty="0"/>
+              <a:t>		</a:t>
+            </a:r>
+            <a:r>
               <a:rPr lang="en-IN" b="1" dirty="0"/>
-              <a:t>                 Compare a theoretical model to experimental data</a:t>
+              <a:t>Compare a theoretical model to experimental data</a:t>
             </a:r>
           </a:p>
           <a:p>
@@ -8908,7 +8516,7 @@
             </a:pPr>
             <a:r>
               <a:rPr lang="en-IN" b="1" dirty="0"/>
-              <a:t>Assumes no-slip rolling motion (friction present)</a:t>
+              <a:t>Due to high friction and experimental observation, we have assumed no-slip rolling motion.</a:t>
             </a:r>
           </a:p>
           <a:p>
@@ -9021,432 +8629,6 @@
 </file>
 
 <file path=ppt/slides/slide20.xml><?xml version="1.0" encoding="utf-8"?>
-<p:sld xmlns:a="http://schemas.openxmlformats.org/drawingml/2006/main" xmlns:r="http://schemas.openxmlformats.org/officeDocument/2006/relationships" xmlns:p="http://schemas.openxmlformats.org/presentationml/2006/main">
-  <p:cSld>
-    <p:spTree>
-      <p:nvGrpSpPr>
-        <p:cNvPr id="1" name=""/>
-        <p:cNvGrpSpPr/>
-        <p:nvPr/>
-      </p:nvGrpSpPr>
-      <p:grpSpPr>
-        <a:xfrm>
-          <a:off x="0" y="0"/>
-          <a:ext cx="0" cy="0"/>
-          <a:chOff x="0" y="0"/>
-          <a:chExt cx="0" cy="0"/>
-        </a:xfrm>
-      </p:grpSpPr>
-      <p:sp>
-        <p:nvSpPr>
-          <p:cNvPr id="2" name="Title 1">
-            <a:extLst>
-              <a:ext uri="{FF2B5EF4-FFF2-40B4-BE49-F238E27FC236}">
-                <a16:creationId xmlns:a16="http://schemas.microsoft.com/office/drawing/2014/main" id="{EC9E960E-B858-A048-F0CB-AD227EEBBFE8}"/>
-              </a:ext>
-            </a:extLst>
-          </p:cNvPr>
-          <p:cNvSpPr>
-            <a:spLocks noGrp="1"/>
-          </p:cNvSpPr>
-          <p:nvPr>
-            <p:ph type="title"/>
-          </p:nvPr>
-        </p:nvSpPr>
-        <p:spPr>
-          <a:xfrm>
-            <a:off x="0" y="0"/>
-            <a:ext cx="8596668" cy="816638"/>
-          </a:xfrm>
-        </p:spPr>
-        <p:txBody>
-          <a:bodyPr/>
-          <a:lstStyle/>
-          <a:p>
-            <a:r>
-              <a:rPr lang="en-IN" dirty="0"/>
-              <a:t>Taking readings</a:t>
-            </a:r>
-          </a:p>
-        </p:txBody>
-      </p:sp>
-      <p:sp>
-        <p:nvSpPr>
-          <p:cNvPr id="3" name="Content Placeholder 2">
-            <a:extLst>
-              <a:ext uri="{FF2B5EF4-FFF2-40B4-BE49-F238E27FC236}">
-                <a16:creationId xmlns:a16="http://schemas.microsoft.com/office/drawing/2014/main" id="{41B0E4CF-6822-843A-0AC5-1FA2FD362A9C}"/>
-              </a:ext>
-            </a:extLst>
-          </p:cNvPr>
-          <p:cNvSpPr>
-            <a:spLocks noGrp="1"/>
-          </p:cNvSpPr>
-          <p:nvPr>
-            <p:ph idx="1"/>
-          </p:nvPr>
-        </p:nvSpPr>
-        <p:spPr>
-          <a:xfrm>
-            <a:off x="0" y="687389"/>
-            <a:ext cx="8596668" cy="552131"/>
-          </a:xfrm>
-        </p:spPr>
-        <p:txBody>
-          <a:bodyPr>
-            <a:normAutofit/>
-          </a:bodyPr>
-          <a:lstStyle/>
-          <a:p>
-            <a:pPr marL="0" indent="0">
-              <a:buNone/>
-            </a:pPr>
-            <a:r>
-              <a:rPr lang="en-IN" sz="2400" b="1" dirty="0"/>
-              <a:t>Data Processing</a:t>
-            </a:r>
-          </a:p>
-        </p:txBody>
-      </p:sp>
-      <p:sp>
-        <p:nvSpPr>
-          <p:cNvPr id="4" name="TextBox 3">
-            <a:extLst>
-              <a:ext uri="{FF2B5EF4-FFF2-40B4-BE49-F238E27FC236}">
-                <a16:creationId xmlns:a16="http://schemas.microsoft.com/office/drawing/2014/main" id="{8254DBD2-70FD-6E53-7703-16DE3CBB2DFA}"/>
-              </a:ext>
-            </a:extLst>
-          </p:cNvPr>
-          <p:cNvSpPr txBox="1"/>
-          <p:nvPr/>
-        </p:nvSpPr>
-        <p:spPr>
-          <a:xfrm>
-            <a:off x="71120" y="1735574"/>
-            <a:ext cx="3169920" cy="369332"/>
-          </a:xfrm>
-          <a:prstGeom prst="rect">
-            <a:avLst/>
-          </a:prstGeom>
-          <a:noFill/>
-        </p:spPr>
-        <p:txBody>
-          <a:bodyPr wrap="square" rtlCol="0">
-            <a:spAutoFit/>
-          </a:bodyPr>
-          <a:lstStyle/>
-          <a:p>
-            <a:r>
-              <a:rPr lang="en-IN" b="1" dirty="0"/>
-              <a:t>Data Visualization</a:t>
-            </a:r>
-          </a:p>
-        </p:txBody>
-      </p:sp>
-      <p:sp>
-        <p:nvSpPr>
-          <p:cNvPr id="5" name="TextBox 4">
-            <a:extLst>
-              <a:ext uri="{FF2B5EF4-FFF2-40B4-BE49-F238E27FC236}">
-                <a16:creationId xmlns:a16="http://schemas.microsoft.com/office/drawing/2014/main" id="{8923A3CE-684C-BAC8-0514-DCD17972A81C}"/>
-              </a:ext>
-            </a:extLst>
-          </p:cNvPr>
-          <p:cNvSpPr txBox="1"/>
-          <p:nvPr/>
-        </p:nvSpPr>
-        <p:spPr>
-          <a:xfrm>
-            <a:off x="0" y="2104906"/>
-            <a:ext cx="10271760" cy="923330"/>
-          </a:xfrm>
-          <a:prstGeom prst="rect">
-            <a:avLst/>
-          </a:prstGeom>
-          <a:noFill/>
-        </p:spPr>
-        <p:txBody>
-          <a:bodyPr wrap="square" rtlCol="0">
-            <a:spAutoFit/>
-          </a:bodyPr>
-          <a:lstStyle/>
-          <a:p>
-            <a:r>
-              <a:rPr lang="en-US" dirty="0"/>
-              <a:t>Graphical Representation: Present the data as a scatter graph, with time on the x-axis and position on the y-axis. Fit a polynomial to the data to analyze the relationship between position and time. Discuss the rationale behind the choice of polynomial degree.</a:t>
-            </a:r>
-            <a:endParaRPr lang="en-IN" dirty="0"/>
-          </a:p>
-        </p:txBody>
-      </p:sp>
-      <p:sp>
-        <p:nvSpPr>
-          <p:cNvPr id="6" name="TextBox 5">
-            <a:extLst>
-              <a:ext uri="{FF2B5EF4-FFF2-40B4-BE49-F238E27FC236}">
-                <a16:creationId xmlns:a16="http://schemas.microsoft.com/office/drawing/2014/main" id="{CB3F7E4E-676B-F121-90CA-45F5D1795CE5}"/>
-              </a:ext>
-            </a:extLst>
-          </p:cNvPr>
-          <p:cNvSpPr txBox="1"/>
-          <p:nvPr/>
-        </p:nvSpPr>
-        <p:spPr>
-          <a:xfrm>
-            <a:off x="71120" y="3708956"/>
-            <a:ext cx="3169920" cy="369332"/>
-          </a:xfrm>
-          <a:prstGeom prst="rect">
-            <a:avLst/>
-          </a:prstGeom>
-          <a:noFill/>
-        </p:spPr>
-        <p:txBody>
-          <a:bodyPr wrap="square" rtlCol="0">
-            <a:spAutoFit/>
-          </a:bodyPr>
-          <a:lstStyle/>
-          <a:p>
-            <a:r>
-              <a:rPr lang="en-IN" b="1" dirty="0"/>
-              <a:t>Error Analysis</a:t>
-            </a:r>
-          </a:p>
-        </p:txBody>
-      </p:sp>
-      <p:sp>
-        <p:nvSpPr>
-          <p:cNvPr id="7" name="TextBox 6">
-            <a:extLst>
-              <a:ext uri="{FF2B5EF4-FFF2-40B4-BE49-F238E27FC236}">
-                <a16:creationId xmlns:a16="http://schemas.microsoft.com/office/drawing/2014/main" id="{5F524771-F500-E5B6-B3DC-15C42E40A5B6}"/>
-              </a:ext>
-            </a:extLst>
-          </p:cNvPr>
-          <p:cNvSpPr txBox="1"/>
-          <p:nvPr/>
-        </p:nvSpPr>
-        <p:spPr>
-          <a:xfrm>
-            <a:off x="71120" y="4158843"/>
-            <a:ext cx="9773920" cy="923330"/>
-          </a:xfrm>
-          <a:prstGeom prst="rect">
-            <a:avLst/>
-          </a:prstGeom>
-          <a:noFill/>
-        </p:spPr>
-        <p:txBody>
-          <a:bodyPr wrap="square" rtlCol="0">
-            <a:spAutoFit/>
-          </a:bodyPr>
-          <a:lstStyle/>
-          <a:p>
-            <a:r>
-              <a:rPr lang="en-US" dirty="0"/>
-              <a:t>Identifying Errors: Identify potential sources of error, such as measurement inaccuracies, camera angle distortions, or limitations in color recognition. Develop strategies to mitigate these errors, including conducting multiple recordings and adjusting camera positioning.</a:t>
-            </a:r>
-            <a:endParaRPr lang="en-IN" dirty="0"/>
-          </a:p>
-        </p:txBody>
-      </p:sp>
-    </p:spTree>
-    <p:extLst>
-      <p:ext uri="{BB962C8B-B14F-4D97-AF65-F5344CB8AC3E}">
-        <p14:creationId xmlns:p14="http://schemas.microsoft.com/office/powerpoint/2010/main" val="598204356"/>
-      </p:ext>
-    </p:extLst>
-  </p:cSld>
-  <p:clrMapOvr>
-    <a:masterClrMapping/>
-  </p:clrMapOvr>
-  <mc:AlternateContent xmlns:mc="http://schemas.openxmlformats.org/markup-compatibility/2006" xmlns:p14="http://schemas.microsoft.com/office/powerpoint/2010/main">
-    <mc:Choice Requires="p14">
-      <p:transition spd="med" p14:dur="700">
-        <p:fade/>
-      </p:transition>
-    </mc:Choice>
-    <mc:Fallback xmlns="">
-      <p:transition spd="med">
-        <p:fade/>
-      </p:transition>
-    </mc:Fallback>
-  </mc:AlternateContent>
-</p:sld>
-</file>
-
-<file path=ppt/slides/slide21.xml><?xml version="1.0" encoding="utf-8"?>
-<p:sld xmlns:a="http://schemas.openxmlformats.org/drawingml/2006/main" xmlns:r="http://schemas.openxmlformats.org/officeDocument/2006/relationships" xmlns:p="http://schemas.openxmlformats.org/presentationml/2006/main">
-  <p:cSld>
-    <p:spTree>
-      <p:nvGrpSpPr>
-        <p:cNvPr id="1" name=""/>
-        <p:cNvGrpSpPr/>
-        <p:nvPr/>
-      </p:nvGrpSpPr>
-      <p:grpSpPr>
-        <a:xfrm>
-          <a:off x="0" y="0"/>
-          <a:ext cx="0" cy="0"/>
-          <a:chOff x="0" y="0"/>
-          <a:chExt cx="0" cy="0"/>
-        </a:xfrm>
-      </p:grpSpPr>
-      <p:sp>
-        <p:nvSpPr>
-          <p:cNvPr id="2" name="Title 1">
-            <a:extLst>
-              <a:ext uri="{FF2B5EF4-FFF2-40B4-BE49-F238E27FC236}">
-                <a16:creationId xmlns:a16="http://schemas.microsoft.com/office/drawing/2014/main" id="{E1B41152-86DA-8229-3C5E-6AF8CD64CC82}"/>
-              </a:ext>
-            </a:extLst>
-          </p:cNvPr>
-          <p:cNvSpPr>
-            <a:spLocks noGrp="1"/>
-          </p:cNvSpPr>
-          <p:nvPr>
-            <p:ph type="title"/>
-          </p:nvPr>
-        </p:nvSpPr>
-        <p:spPr>
-          <a:xfrm>
-            <a:off x="0" y="0"/>
-            <a:ext cx="8453120" cy="711200"/>
-          </a:xfrm>
-        </p:spPr>
-        <p:txBody>
-          <a:bodyPr/>
-          <a:lstStyle/>
-          <a:p>
-            <a:r>
-              <a:rPr lang="en-US" dirty="0"/>
-              <a:t>Comparing Final Results</a:t>
-            </a:r>
-            <a:endParaRPr lang="en-IN" dirty="0"/>
-          </a:p>
-        </p:txBody>
-      </p:sp>
-      <p:sp>
-        <p:nvSpPr>
-          <p:cNvPr id="3" name="Content Placeholder 2">
-            <a:extLst>
-              <a:ext uri="{FF2B5EF4-FFF2-40B4-BE49-F238E27FC236}">
-                <a16:creationId xmlns:a16="http://schemas.microsoft.com/office/drawing/2014/main" id="{E6E6A684-31C9-1EF9-D83F-652EFBED7936}"/>
-              </a:ext>
-            </a:extLst>
-          </p:cNvPr>
-          <p:cNvSpPr>
-            <a:spLocks noGrp="1"/>
-          </p:cNvSpPr>
-          <p:nvPr>
-            <p:ph idx="1"/>
-          </p:nvPr>
-        </p:nvSpPr>
-        <p:spPr>
-          <a:xfrm>
-            <a:off x="0" y="860109"/>
-            <a:ext cx="10129520" cy="2807651"/>
-          </a:xfrm>
-        </p:spPr>
-        <p:txBody>
-          <a:bodyPr/>
-          <a:lstStyle/>
-          <a:p>
-            <a:r>
-              <a:rPr lang="en-US" dirty="0"/>
-              <a:t>Through experimental data collection of the eccentric disk, results are plotted against the mathematical model, with adjustments made to account for practical conditions such as a reduced circular mass and low initial velocity. Additionally, due to differences in data collection—like origin and start time—the model results are adjusted by flipping and shifting to align with the experimental setup.</a:t>
-            </a:r>
-          </a:p>
-        </p:txBody>
-      </p:sp>
-      <p:pic>
-        <p:nvPicPr>
-          <p:cNvPr id="5" name="Picture 4">
-            <a:extLst>
-              <a:ext uri="{FF2B5EF4-FFF2-40B4-BE49-F238E27FC236}">
-                <a16:creationId xmlns:a16="http://schemas.microsoft.com/office/drawing/2014/main" id="{C014DBB2-B3A5-772D-C4A3-464A9AA0F6D2}"/>
-              </a:ext>
-            </a:extLst>
-          </p:cNvPr>
-          <p:cNvPicPr>
-            <a:picLocks noChangeAspect="1"/>
-          </p:cNvPicPr>
-          <p:nvPr/>
-        </p:nvPicPr>
-        <p:blipFill>
-          <a:blip r:embed="rId2"/>
-          <a:stretch>
-            <a:fillRect/>
-          </a:stretch>
-        </p:blipFill>
-        <p:spPr>
-          <a:xfrm>
-            <a:off x="0" y="2571152"/>
-            <a:ext cx="5353797" cy="4286848"/>
-          </a:xfrm>
-          <a:prstGeom prst="rect">
-            <a:avLst/>
-          </a:prstGeom>
-        </p:spPr>
-      </p:pic>
-      <p:sp>
-        <p:nvSpPr>
-          <p:cNvPr id="6" name="TextBox 5">
-            <a:extLst>
-              <a:ext uri="{FF2B5EF4-FFF2-40B4-BE49-F238E27FC236}">
-                <a16:creationId xmlns:a16="http://schemas.microsoft.com/office/drawing/2014/main" id="{1A268C5C-4B20-ACB5-E10A-E1D462F736AE}"/>
-              </a:ext>
-            </a:extLst>
-          </p:cNvPr>
-          <p:cNvSpPr txBox="1"/>
-          <p:nvPr/>
-        </p:nvSpPr>
-        <p:spPr>
-          <a:xfrm>
-            <a:off x="5679440" y="3667760"/>
-            <a:ext cx="3505200" cy="1754326"/>
-          </a:xfrm>
-          <a:prstGeom prst="rect">
-            <a:avLst/>
-          </a:prstGeom>
-          <a:noFill/>
-        </p:spPr>
-        <p:txBody>
-          <a:bodyPr wrap="square" rtlCol="0">
-            <a:spAutoFit/>
-          </a:bodyPr>
-          <a:lstStyle/>
-          <a:p>
-            <a:r>
-              <a:rPr lang="en-US" dirty="0"/>
-              <a:t>Figure 6: Results from the general model and experimental data overlayed where R = 0.07; c =0.03; g = 9.81; m = 0.1; mw = 0.6; </a:t>
-            </a:r>
-            <a:r>
-              <a:rPr lang="en-US" dirty="0" err="1"/>
-              <a:t>Rw</a:t>
-            </a:r>
-            <a:r>
-              <a:rPr lang="en-US" dirty="0"/>
-              <a:t> = 0.2; d = 0.05;</a:t>
-            </a:r>
-            <a:endParaRPr lang="en-IN" dirty="0"/>
-          </a:p>
-        </p:txBody>
-      </p:sp>
-    </p:spTree>
-    <p:extLst>
-      <p:ext uri="{BB962C8B-B14F-4D97-AF65-F5344CB8AC3E}">
-        <p14:creationId xmlns:p14="http://schemas.microsoft.com/office/powerpoint/2010/main" val="3107003367"/>
-      </p:ext>
-    </p:extLst>
-  </p:cSld>
-  <p:clrMapOvr>
-    <a:masterClrMapping/>
-  </p:clrMapOvr>
-</p:sld>
-</file>
-
-<file path=ppt/slides/slide22.xml><?xml version="1.0" encoding="utf-8"?>
 <p:sld xmlns:a="http://schemas.openxmlformats.org/drawingml/2006/main" xmlns:r="http://schemas.openxmlformats.org/officeDocument/2006/relationships" xmlns:p="http://schemas.openxmlformats.org/presentationml/2006/main">
   <p:cSld>
     <p:spTree>
@@ -11400,7 +10582,7 @@
           <p:cNvPr id="2" name="Title 1">
             <a:extLst>
               <a:ext uri="{FF2B5EF4-FFF2-40B4-BE49-F238E27FC236}">
-                <a16:creationId xmlns:a16="http://schemas.microsoft.com/office/drawing/2014/main" id="{1DBE80E1-105E-3294-B2A2-4A43FA0C2BC2}"/>
+                <a16:creationId xmlns:a16="http://schemas.microsoft.com/office/drawing/2014/main" id="{C90FE8F1-BD1F-1BA2-2BFB-2559BB236B8E}"/>
               </a:ext>
             </a:extLst>
           </p:cNvPr>
@@ -11414,7 +10596,7 @@
         <p:spPr>
           <a:xfrm>
             <a:off x="0" y="0"/>
-            <a:ext cx="8334586" cy="670560"/>
+            <a:ext cx="8596668" cy="670560"/>
           </a:xfrm>
         </p:spPr>
         <p:txBody>
@@ -11433,7 +10615,7 @@
           <p:cNvPr id="3" name="Content Placeholder 2">
             <a:extLst>
               <a:ext uri="{FF2B5EF4-FFF2-40B4-BE49-F238E27FC236}">
-                <a16:creationId xmlns:a16="http://schemas.microsoft.com/office/drawing/2014/main" id="{FF041548-7090-1C8D-5428-8F7810D209DC}"/>
+                <a16:creationId xmlns:a16="http://schemas.microsoft.com/office/drawing/2014/main" id="{B01063D6-2D5C-6442-96B8-C769A2242207}"/>
               </a:ext>
             </a:extLst>
           </p:cNvPr>
@@ -11446,20 +10628,22 @@
         </p:nvSpPr>
         <p:spPr>
           <a:xfrm>
-            <a:off x="108374" y="1341120"/>
-            <a:ext cx="1364826" cy="461665"/>
-          </a:xfrm>
-        </p:spPr>
-        <p:txBody>
-          <a:bodyPr/>
+            <a:off x="0" y="670560"/>
+            <a:ext cx="3711786" cy="501331"/>
+          </a:xfrm>
+        </p:spPr>
+        <p:txBody>
+          <a:bodyPr>
+            <a:normAutofit/>
+          </a:bodyPr>
           <a:lstStyle/>
           <a:p>
             <a:pPr marL="0" indent="0">
               <a:buNone/>
             </a:pPr>
             <a:r>
-              <a:rPr lang="en-IN" dirty="0"/>
-              <a:t>Computing</a:t>
+              <a:rPr lang="en-IN" sz="2400" b="1" dirty="0"/>
+              <a:t>Euler Lagrange equation</a:t>
             </a:r>
           </a:p>
         </p:txBody>
@@ -11469,7 +10653,7 @@
           <p:cNvPr id="4" name="TextBox 3">
             <a:extLst>
               <a:ext uri="{FF2B5EF4-FFF2-40B4-BE49-F238E27FC236}">
-                <a16:creationId xmlns:a16="http://schemas.microsoft.com/office/drawing/2014/main" id="{94EC5ED1-094A-28F4-9C33-EF226133899B}"/>
+                <a16:creationId xmlns:a16="http://schemas.microsoft.com/office/drawing/2014/main" id="{7F2472A3-3BC5-E8BB-90C3-165243AC4B36}"/>
               </a:ext>
             </a:extLst>
           </p:cNvPr>
@@ -11478,8 +10662,8 @@
         </p:nvSpPr>
         <p:spPr>
           <a:xfrm>
-            <a:off x="0" y="670560"/>
-            <a:ext cx="4179146" cy="461665"/>
+            <a:off x="3711786" y="746638"/>
+            <a:ext cx="2184400" cy="369332"/>
           </a:xfrm>
           <a:prstGeom prst="rect">
             <a:avLst/>
@@ -11493,8 +10677,8 @@
           <a:lstStyle/>
           <a:p>
             <a:r>
-              <a:rPr lang="en-IN" sz="2400" b="1" dirty="0"/>
-              <a:t>Euler Lagrange equation</a:t>
+              <a:rPr lang="en-IN" i="1" dirty="0"/>
+              <a:t>continued</a:t>
             </a:r>
           </a:p>
         </p:txBody>
@@ -11504,7 +10688,7 @@
           <p:cNvPr id="5" name="TextBox 4">
             <a:extLst>
               <a:ext uri="{FF2B5EF4-FFF2-40B4-BE49-F238E27FC236}">
-                <a16:creationId xmlns:a16="http://schemas.microsoft.com/office/drawing/2014/main" id="{D8B50762-CBDC-E7B7-3BAD-E05D9A244171}"/>
+                <a16:creationId xmlns:a16="http://schemas.microsoft.com/office/drawing/2014/main" id="{A3E68589-92A4-4173-02D7-909D5F2563E1}"/>
               </a:ext>
             </a:extLst>
           </p:cNvPr>
@@ -11513,8 +10697,8 @@
         </p:nvSpPr>
         <p:spPr>
           <a:xfrm>
-            <a:off x="3860800" y="762893"/>
-            <a:ext cx="2915920" cy="369332"/>
+            <a:off x="-1" y="1247969"/>
+            <a:ext cx="10700872" cy="369332"/>
           </a:xfrm>
           <a:prstGeom prst="rect">
             <a:avLst/>
@@ -11528,8 +10712,8 @@
           <a:lstStyle/>
           <a:p>
             <a:r>
-              <a:rPr lang="en-IN" i="1" dirty="0"/>
-              <a:t>continued</a:t>
+              <a:rPr lang="en-IN" dirty="0"/>
+              <a:t>Once we have rearranged and solved we get a final form equation of Motion:</a:t>
             </a:r>
           </a:p>
         </p:txBody>
@@ -11539,7 +10723,7 @@
           <p:cNvPr id="7" name="Picture 6">
             <a:extLst>
               <a:ext uri="{FF2B5EF4-FFF2-40B4-BE49-F238E27FC236}">
-                <a16:creationId xmlns:a16="http://schemas.microsoft.com/office/drawing/2014/main" id="{6B482963-9B38-6E62-6768-8019E81F616E}"/>
+                <a16:creationId xmlns:a16="http://schemas.microsoft.com/office/drawing/2014/main" id="{9035091D-7D32-BA7D-78F9-EBDF27854163}"/>
               </a:ext>
             </a:extLst>
           </p:cNvPr>
@@ -11556,8 +10740,8 @@
         </p:blipFill>
         <p:spPr>
           <a:xfrm>
-            <a:off x="1316015" y="1356360"/>
-            <a:ext cx="314369" cy="514422"/>
+            <a:off x="1491129" y="1571540"/>
+            <a:ext cx="6954220" cy="724001"/>
           </a:xfrm>
           <a:prstGeom prst="rect">
             <a:avLst/>
@@ -11569,7 +10753,7 @@
           <p:cNvPr id="8" name="TextBox 7">
             <a:extLst>
               <a:ext uri="{FF2B5EF4-FFF2-40B4-BE49-F238E27FC236}">
-                <a16:creationId xmlns:a16="http://schemas.microsoft.com/office/drawing/2014/main" id="{C97E8380-1A19-56D2-842E-CC00A8AA30CD}"/>
+                <a16:creationId xmlns:a16="http://schemas.microsoft.com/office/drawing/2014/main" id="{00A44A4E-B7B2-BFF4-E209-F8FE8CA86886}"/>
               </a:ext>
             </a:extLst>
           </p:cNvPr>
@@ -11578,8 +10762,8 @@
         </p:nvSpPr>
         <p:spPr>
           <a:xfrm>
-            <a:off x="1695321" y="1387286"/>
-            <a:ext cx="1686560" cy="369332"/>
+            <a:off x="0" y="2518281"/>
+            <a:ext cx="8596668" cy="369332"/>
           </a:xfrm>
           <a:prstGeom prst="rect">
             <a:avLst/>
@@ -11594,7 +10778,7 @@
           <a:p>
             <a:r>
               <a:rPr lang="en-IN" dirty="0"/>
-              <a:t>leads to:</a:t>
+              <a:t>Or when fully written out and with the angular acceleration as the focus:</a:t>
             </a:r>
           </a:p>
         </p:txBody>
@@ -11604,7 +10788,7 @@
           <p:cNvPr id="10" name="Picture 9">
             <a:extLst>
               <a:ext uri="{FF2B5EF4-FFF2-40B4-BE49-F238E27FC236}">
-                <a16:creationId xmlns:a16="http://schemas.microsoft.com/office/drawing/2014/main" id="{3E168F59-4309-E141-3971-E8008AFFEE13}"/>
+                <a16:creationId xmlns:a16="http://schemas.microsoft.com/office/drawing/2014/main" id="{CB132532-A274-D00E-8D6B-6D2305ABADDE}"/>
               </a:ext>
             </a:extLst>
           </p:cNvPr>
@@ -11621,8 +10805,8 @@
         </p:blipFill>
         <p:spPr>
           <a:xfrm>
-            <a:off x="3218166" y="1224558"/>
-            <a:ext cx="5591955" cy="1686160"/>
+            <a:off x="795706" y="3019612"/>
+            <a:ext cx="8345065" cy="1228896"/>
           </a:xfrm>
           <a:prstGeom prst="rect">
             <a:avLst/>
@@ -11631,10 +10815,10 @@
       </p:pic>
       <p:sp>
         <p:nvSpPr>
-          <p:cNvPr id="11" name="TextBox 10">
-            <a:extLst>
-              <a:ext uri="{FF2B5EF4-FFF2-40B4-BE49-F238E27FC236}">
-                <a16:creationId xmlns:a16="http://schemas.microsoft.com/office/drawing/2014/main" id="{578F60AD-FBC3-C3C4-400E-A3035B4B1E78}"/>
+          <p:cNvPr id="6" name="TextBox 5">
+            <a:extLst>
+              <a:ext uri="{FF2B5EF4-FFF2-40B4-BE49-F238E27FC236}">
+                <a16:creationId xmlns:a16="http://schemas.microsoft.com/office/drawing/2014/main" id="{34D62A21-852F-C67A-A1D8-2EE37B8F6EC7}"/>
               </a:ext>
             </a:extLst>
           </p:cNvPr>
@@ -11643,8 +10827,8 @@
         </p:nvSpPr>
         <p:spPr>
           <a:xfrm>
-            <a:off x="182880" y="3076130"/>
-            <a:ext cx="1686560" cy="369332"/>
+            <a:off x="247226" y="4616026"/>
+            <a:ext cx="9113520" cy="1200329"/>
           </a:xfrm>
           <a:prstGeom prst="rect">
             <a:avLst/>
@@ -11658,177 +10842,17 @@
           <a:lstStyle/>
           <a:p>
             <a:r>
-              <a:rPr lang="en-IN" dirty="0"/>
-              <a:t>After which</a:t>
-            </a:r>
-          </a:p>
-        </p:txBody>
-      </p:sp>
-      <p:pic>
-        <p:nvPicPr>
-          <p:cNvPr id="13" name="Picture 12">
-            <a:extLst>
-              <a:ext uri="{FF2B5EF4-FFF2-40B4-BE49-F238E27FC236}">
-                <a16:creationId xmlns:a16="http://schemas.microsoft.com/office/drawing/2014/main" id="{33A6A104-20D2-A6D4-F076-6CEECDEB68F7}"/>
-              </a:ext>
-            </a:extLst>
-          </p:cNvPr>
-          <p:cNvPicPr>
-            <a:picLocks noChangeAspect="1"/>
-          </p:cNvPicPr>
-          <p:nvPr/>
-        </p:nvPicPr>
-        <p:blipFill>
-          <a:blip r:embed="rId4"/>
-          <a:stretch>
-            <a:fillRect/>
-          </a:stretch>
-        </p:blipFill>
-        <p:spPr>
-          <a:xfrm>
-            <a:off x="1595494" y="3061423"/>
-            <a:ext cx="943107" cy="666843"/>
-          </a:xfrm>
-          <a:prstGeom prst="rect">
-            <a:avLst/>
-          </a:prstGeom>
-        </p:spPr>
-      </p:pic>
-      <p:sp>
-        <p:nvSpPr>
-          <p:cNvPr id="14" name="TextBox 13">
-            <a:extLst>
-              <a:ext uri="{FF2B5EF4-FFF2-40B4-BE49-F238E27FC236}">
-                <a16:creationId xmlns:a16="http://schemas.microsoft.com/office/drawing/2014/main" id="{9E72857B-D529-2E23-B517-8781383E44BC}"/>
-              </a:ext>
-            </a:extLst>
-          </p:cNvPr>
-          <p:cNvSpPr txBox="1"/>
-          <p:nvPr/>
-        </p:nvSpPr>
-        <p:spPr>
-          <a:xfrm>
-            <a:off x="2538601" y="3095384"/>
-            <a:ext cx="7367399" cy="369332"/>
-          </a:xfrm>
-          <a:prstGeom prst="rect">
-            <a:avLst/>
-          </a:prstGeom>
-          <a:noFill/>
-        </p:spPr>
-        <p:txBody>
-          <a:bodyPr wrap="square" rtlCol="0">
-            <a:spAutoFit/>
-          </a:bodyPr>
-          <a:lstStyle/>
-          <a:p>
-            <a:r>
               <a:rPr lang="en-US" dirty="0"/>
-              <a:t>is calculated. To do this, the product rule is applied, first, by letting:</a:t>
+              <a:t>After solving the ODE in MATLAB with realistic variables, figure 2 shows the y-position of the center of mass following an expected path for an eccentric rolling disc. However, the motion repeats indefinitely, so adding an energy loss factor is the next step to improve the model.</a:t>
             </a:r>
             <a:endParaRPr lang="en-IN" dirty="0"/>
           </a:p>
         </p:txBody>
       </p:sp>
-      <p:pic>
-        <p:nvPicPr>
-          <p:cNvPr id="16" name="Picture 15">
-            <a:extLst>
-              <a:ext uri="{FF2B5EF4-FFF2-40B4-BE49-F238E27FC236}">
-                <a16:creationId xmlns:a16="http://schemas.microsoft.com/office/drawing/2014/main" id="{F4FEAEA5-93F3-F1E8-0302-111DD6183C95}"/>
-              </a:ext>
-            </a:extLst>
-          </p:cNvPr>
-          <p:cNvPicPr>
-            <a:picLocks noChangeAspect="1"/>
-          </p:cNvPicPr>
-          <p:nvPr/>
-        </p:nvPicPr>
-        <p:blipFill>
-          <a:blip r:embed="rId5"/>
-          <a:stretch>
-            <a:fillRect/>
-          </a:stretch>
-        </p:blipFill>
-        <p:spPr>
-          <a:xfrm>
-            <a:off x="904240" y="3619182"/>
-            <a:ext cx="8356394" cy="1518783"/>
-          </a:xfrm>
-          <a:prstGeom prst="rect">
-            <a:avLst/>
-          </a:prstGeom>
-        </p:spPr>
-      </p:pic>
-      <p:sp>
-        <p:nvSpPr>
-          <p:cNvPr id="17" name="TextBox 16">
-            <a:extLst>
-              <a:ext uri="{FF2B5EF4-FFF2-40B4-BE49-F238E27FC236}">
-                <a16:creationId xmlns:a16="http://schemas.microsoft.com/office/drawing/2014/main" id="{1FA76AC0-A98C-BAD4-5B73-FE34A3384E25}"/>
-              </a:ext>
-            </a:extLst>
-          </p:cNvPr>
-          <p:cNvSpPr txBox="1"/>
-          <p:nvPr/>
-        </p:nvSpPr>
-        <p:spPr>
-          <a:xfrm>
-            <a:off x="580397" y="5266825"/>
-            <a:ext cx="2578086" cy="369332"/>
-          </a:xfrm>
-          <a:prstGeom prst="rect">
-            <a:avLst/>
-          </a:prstGeom>
-          <a:noFill/>
-        </p:spPr>
-        <p:txBody>
-          <a:bodyPr wrap="square" rtlCol="0">
-            <a:spAutoFit/>
-          </a:bodyPr>
-          <a:lstStyle/>
-          <a:p>
-            <a:r>
-              <a:rPr lang="en-IN" dirty="0"/>
-              <a:t>Where A* is given by:</a:t>
-            </a:r>
-          </a:p>
-        </p:txBody>
-      </p:sp>
-      <p:pic>
-        <p:nvPicPr>
-          <p:cNvPr id="19" name="Picture 18">
-            <a:extLst>
-              <a:ext uri="{FF2B5EF4-FFF2-40B4-BE49-F238E27FC236}">
-                <a16:creationId xmlns:a16="http://schemas.microsoft.com/office/drawing/2014/main" id="{DF8846CB-3C06-C530-C903-E4B9793B8AD6}"/>
-              </a:ext>
-            </a:extLst>
-          </p:cNvPr>
-          <p:cNvPicPr>
-            <a:picLocks noChangeAspect="1"/>
-          </p:cNvPicPr>
-          <p:nvPr/>
-        </p:nvPicPr>
-        <p:blipFill>
-          <a:blip r:embed="rId6"/>
-          <a:stretch>
-            <a:fillRect/>
-          </a:stretch>
-        </p:blipFill>
-        <p:spPr>
-          <a:xfrm>
-            <a:off x="3603982" y="5451491"/>
-            <a:ext cx="2410161" cy="1000265"/>
-          </a:xfrm>
-          <a:prstGeom prst="rect">
-            <a:avLst/>
-          </a:prstGeom>
-        </p:spPr>
-      </p:pic>
     </p:spTree>
     <p:extLst>
       <p:ext uri="{BB962C8B-B14F-4D97-AF65-F5344CB8AC3E}">
-        <p14:creationId xmlns:p14="http://schemas.microsoft.com/office/powerpoint/2010/main" val="4044763097"/>
+        <p14:creationId xmlns:p14="http://schemas.microsoft.com/office/powerpoint/2010/main" val="650677095"/>
       </p:ext>
     </p:extLst>
   </p:cSld>

--- a/PPM.pptx
+++ b/PPM.pptx
@@ -25,6 +25,8 @@
     <p:sldId id="275" r:id="rId19"/>
     <p:sldId id="277" r:id="rId20"/>
     <p:sldId id="278" r:id="rId21"/>
+    <p:sldId id="279" r:id="rId22"/>
+    <p:sldId id="280" r:id="rId23"/>
   </p:sldIdLst>
   <p:sldSz cx="12192000" cy="6858000"/>
   <p:notesSz cx="6858000" cy="9144000"/>
@@ -8799,6 +8801,344 @@
 </p:sld>
 </file>
 
+<file path=ppt/slides/slide21.xml><?xml version="1.0" encoding="utf-8"?>
+<p:sld xmlns:a="http://schemas.openxmlformats.org/drawingml/2006/main" xmlns:r="http://schemas.openxmlformats.org/officeDocument/2006/relationships" xmlns:p="http://schemas.openxmlformats.org/presentationml/2006/main">
+  <p:cSld>
+    <p:spTree>
+      <p:nvGrpSpPr>
+        <p:cNvPr id="1" name=""/>
+        <p:cNvGrpSpPr/>
+        <p:nvPr/>
+      </p:nvGrpSpPr>
+      <p:grpSpPr>
+        <a:xfrm>
+          <a:off x="0" y="0"/>
+          <a:ext cx="0" cy="0"/>
+          <a:chOff x="0" y="0"/>
+          <a:chExt cx="0" cy="0"/>
+        </a:xfrm>
+      </p:grpSpPr>
+      <p:sp>
+        <p:nvSpPr>
+          <p:cNvPr id="2" name="Title 1">
+            <a:extLst>
+              <a:ext uri="{FF2B5EF4-FFF2-40B4-BE49-F238E27FC236}">
+                <a16:creationId xmlns:a16="http://schemas.microsoft.com/office/drawing/2014/main" id="{140157F5-307C-46D3-21D1-99175EB97F10}"/>
+              </a:ext>
+            </a:extLst>
+          </p:cNvPr>
+          <p:cNvSpPr>
+            <a:spLocks noGrp="1"/>
+          </p:cNvSpPr>
+          <p:nvPr>
+            <p:ph type="title"/>
+          </p:nvPr>
+        </p:nvSpPr>
+        <p:spPr>
+          <a:xfrm>
+            <a:off x="62612" y="156238"/>
+            <a:ext cx="8596668" cy="1320800"/>
+          </a:xfrm>
+        </p:spPr>
+        <p:txBody>
+          <a:bodyPr/>
+          <a:lstStyle/>
+          <a:p>
+            <a:r>
+              <a:rPr lang="en-IN" dirty="0"/>
+              <a:t>Further Improvements</a:t>
+            </a:r>
+          </a:p>
+        </p:txBody>
+      </p:sp>
+      <p:sp>
+        <p:nvSpPr>
+          <p:cNvPr id="3" name="Content Placeholder 2">
+            <a:extLst>
+              <a:ext uri="{FF2B5EF4-FFF2-40B4-BE49-F238E27FC236}">
+                <a16:creationId xmlns:a16="http://schemas.microsoft.com/office/drawing/2014/main" id="{E1EF4187-C0F7-D77A-C699-B231D3B9A8CD}"/>
+              </a:ext>
+            </a:extLst>
+          </p:cNvPr>
+          <p:cNvSpPr>
+            <a:spLocks noGrp="1"/>
+          </p:cNvSpPr>
+          <p:nvPr>
+            <p:ph idx="1"/>
+          </p:nvPr>
+        </p:nvSpPr>
+        <p:spPr>
+          <a:xfrm>
+            <a:off x="62612" y="1042989"/>
+            <a:ext cx="9711308" cy="3880773"/>
+          </a:xfrm>
+        </p:spPr>
+        <p:txBody>
+          <a:bodyPr/>
+          <a:lstStyle/>
+          <a:p>
+            <a:r>
+              <a:rPr lang="en-US" dirty="0"/>
+              <a:t>The rate of decay can't be accurately modeled with a simple linear loss coefficient due to complex frictional forces. By introducing a quadratic energy loss term, proportional to </a:t>
+            </a:r>
+            <a:r>
+              <a:rPr lang="el-GR" dirty="0"/>
+              <a:t>Ф</a:t>
+            </a:r>
+            <a:r>
+              <a:rPr lang="en-IN" dirty="0"/>
+              <a:t>*^2</a:t>
+            </a:r>
+            <a:r>
+              <a:rPr lang="en-US" dirty="0"/>
+              <a:t>, we obtain a plot that better aligns with the data (see Figure 7). However, accurately modeling energy loss from friction, air resistance, and other factors would likely require a more complex equation, necessitating further experimentation</a:t>
+            </a:r>
+            <a:endParaRPr lang="en-IN" dirty="0"/>
+          </a:p>
+        </p:txBody>
+      </p:sp>
+      <p:pic>
+        <p:nvPicPr>
+          <p:cNvPr id="4" name="Picture 3">
+            <a:extLst>
+              <a:ext uri="{FF2B5EF4-FFF2-40B4-BE49-F238E27FC236}">
+                <a16:creationId xmlns:a16="http://schemas.microsoft.com/office/drawing/2014/main" id="{AA610E27-8DA4-BE90-7285-69C52B87F18F}"/>
+              </a:ext>
+            </a:extLst>
+          </p:cNvPr>
+          <p:cNvPicPr>
+            <a:picLocks noChangeAspect="1"/>
+          </p:cNvPicPr>
+          <p:nvPr/>
+        </p:nvPicPr>
+        <p:blipFill>
+          <a:blip r:embed="rId2"/>
+          <a:stretch>
+            <a:fillRect/>
+          </a:stretch>
+        </p:blipFill>
+        <p:spPr>
+          <a:xfrm>
+            <a:off x="169334" y="2604785"/>
+            <a:ext cx="5306165" cy="4239217"/>
+          </a:xfrm>
+          <a:prstGeom prst="rect">
+            <a:avLst/>
+          </a:prstGeom>
+        </p:spPr>
+      </p:pic>
+      <p:sp>
+        <p:nvSpPr>
+          <p:cNvPr id="5" name="TextBox 4">
+            <a:extLst>
+              <a:ext uri="{FF2B5EF4-FFF2-40B4-BE49-F238E27FC236}">
+                <a16:creationId xmlns:a16="http://schemas.microsoft.com/office/drawing/2014/main" id="{7C045525-CB1E-9D57-5FA4-D0E780C342BD}"/>
+              </a:ext>
+            </a:extLst>
+          </p:cNvPr>
+          <p:cNvSpPr txBox="1"/>
+          <p:nvPr/>
+        </p:nvSpPr>
+        <p:spPr>
+          <a:xfrm>
+            <a:off x="5806069" y="3429000"/>
+            <a:ext cx="3637280" cy="1477328"/>
+          </a:xfrm>
+          <a:prstGeom prst="rect">
+            <a:avLst/>
+          </a:prstGeom>
+          <a:noFill/>
+        </p:spPr>
+        <p:txBody>
+          <a:bodyPr wrap="square" rtlCol="0">
+            <a:spAutoFit/>
+          </a:bodyPr>
+          <a:lstStyle/>
+          <a:p>
+            <a:r>
+              <a:rPr lang="en-US" dirty="0"/>
+              <a:t>Figure 7: Results from the improved model and experimental data overlayed where b = 0.014and b quadratic = 0.0015</a:t>
+            </a:r>
+            <a:endParaRPr lang="en-IN" dirty="0"/>
+          </a:p>
+        </p:txBody>
+      </p:sp>
+    </p:spTree>
+    <p:extLst>
+      <p:ext uri="{BB962C8B-B14F-4D97-AF65-F5344CB8AC3E}">
+        <p14:creationId xmlns:p14="http://schemas.microsoft.com/office/powerpoint/2010/main" val="1749394450"/>
+      </p:ext>
+    </p:extLst>
+  </p:cSld>
+  <p:clrMapOvr>
+    <a:masterClrMapping/>
+  </p:clrMapOvr>
+</p:sld>
+</file>
+
+<file path=ppt/slides/slide22.xml><?xml version="1.0" encoding="utf-8"?>
+<p:sld xmlns:a="http://schemas.openxmlformats.org/drawingml/2006/main" xmlns:r="http://schemas.openxmlformats.org/officeDocument/2006/relationships" xmlns:p="http://schemas.openxmlformats.org/presentationml/2006/main">
+  <p:cSld>
+    <p:spTree>
+      <p:nvGrpSpPr>
+        <p:cNvPr id="1" name=""/>
+        <p:cNvGrpSpPr/>
+        <p:nvPr/>
+      </p:nvGrpSpPr>
+      <p:grpSpPr>
+        <a:xfrm>
+          <a:off x="0" y="0"/>
+          <a:ext cx="0" cy="0"/>
+          <a:chOff x="0" y="0"/>
+          <a:chExt cx="0" cy="0"/>
+        </a:xfrm>
+      </p:grpSpPr>
+      <p:sp>
+        <p:nvSpPr>
+          <p:cNvPr id="2" name="Title 1">
+            <a:extLst>
+              <a:ext uri="{FF2B5EF4-FFF2-40B4-BE49-F238E27FC236}">
+                <a16:creationId xmlns:a16="http://schemas.microsoft.com/office/drawing/2014/main" id="{8709891B-5C03-65D7-E65E-9743E2788C5F}"/>
+              </a:ext>
+            </a:extLst>
+          </p:cNvPr>
+          <p:cNvSpPr>
+            <a:spLocks noGrp="1"/>
+          </p:cNvSpPr>
+          <p:nvPr>
+            <p:ph type="title"/>
+          </p:nvPr>
+        </p:nvSpPr>
+        <p:spPr>
+          <a:xfrm>
+            <a:off x="98214" y="156238"/>
+            <a:ext cx="8596668" cy="1320800"/>
+          </a:xfrm>
+        </p:spPr>
+        <p:txBody>
+          <a:bodyPr/>
+          <a:lstStyle/>
+          <a:p>
+            <a:r>
+              <a:rPr lang="en-IN" dirty="0"/>
+              <a:t>Further Improvements</a:t>
+            </a:r>
+          </a:p>
+        </p:txBody>
+      </p:sp>
+      <p:sp>
+        <p:nvSpPr>
+          <p:cNvPr id="3" name="Content Placeholder 2">
+            <a:extLst>
+              <a:ext uri="{FF2B5EF4-FFF2-40B4-BE49-F238E27FC236}">
+                <a16:creationId xmlns:a16="http://schemas.microsoft.com/office/drawing/2014/main" id="{71270EB4-DCF9-5BDB-21C0-B5F6A120D14E}"/>
+              </a:ext>
+            </a:extLst>
+          </p:cNvPr>
+          <p:cNvSpPr>
+            <a:spLocks noGrp="1"/>
+          </p:cNvSpPr>
+          <p:nvPr>
+            <p:ph idx="1"/>
+          </p:nvPr>
+        </p:nvSpPr>
+        <p:spPr>
+          <a:xfrm>
+            <a:off x="98214" y="921069"/>
+            <a:ext cx="9777306" cy="2045651"/>
+          </a:xfrm>
+        </p:spPr>
+        <p:txBody>
+          <a:bodyPr/>
+          <a:lstStyle/>
+          <a:p>
+            <a:r>
+              <a:rPr lang="en-US" dirty="0"/>
+              <a:t>To improve accuracy, position the eccentric mass precisely using calipers, as its placement affects inertia and oscillation behavior. Additionally, lubricate the apparatus and use low-friction materials to reduce energy loss, while noise-filtering algorithms in MATLAB can help smooth data. These adjustments will enhance the alignment between the model and experimental results.</a:t>
+            </a:r>
+            <a:endParaRPr lang="en-IN" dirty="0"/>
+          </a:p>
+        </p:txBody>
+      </p:sp>
+      <p:pic>
+        <p:nvPicPr>
+          <p:cNvPr id="4" name="Picture 3">
+            <a:extLst>
+              <a:ext uri="{FF2B5EF4-FFF2-40B4-BE49-F238E27FC236}">
+                <a16:creationId xmlns:a16="http://schemas.microsoft.com/office/drawing/2014/main" id="{BD31FDAD-3565-0794-17D0-22623B8BA1B8}"/>
+              </a:ext>
+            </a:extLst>
+          </p:cNvPr>
+          <p:cNvPicPr>
+            <a:picLocks noChangeAspect="1"/>
+          </p:cNvPicPr>
+          <p:nvPr/>
+        </p:nvPicPr>
+        <p:blipFill>
+          <a:blip r:embed="rId2"/>
+          <a:stretch>
+            <a:fillRect/>
+          </a:stretch>
+        </p:blipFill>
+        <p:spPr>
+          <a:xfrm>
+            <a:off x="128694" y="2618783"/>
+            <a:ext cx="5306165" cy="4239217"/>
+          </a:xfrm>
+          <a:prstGeom prst="rect">
+            <a:avLst/>
+          </a:prstGeom>
+        </p:spPr>
+      </p:pic>
+      <p:sp>
+        <p:nvSpPr>
+          <p:cNvPr id="5" name="TextBox 4">
+            <a:extLst>
+              <a:ext uri="{FF2B5EF4-FFF2-40B4-BE49-F238E27FC236}">
+                <a16:creationId xmlns:a16="http://schemas.microsoft.com/office/drawing/2014/main" id="{F025BD8C-E79E-04A6-6382-E57170DDF956}"/>
+              </a:ext>
+            </a:extLst>
+          </p:cNvPr>
+          <p:cNvSpPr txBox="1"/>
+          <p:nvPr/>
+        </p:nvSpPr>
+        <p:spPr>
+          <a:xfrm>
+            <a:off x="5679440" y="3654764"/>
+            <a:ext cx="3637280" cy="1477328"/>
+          </a:xfrm>
+          <a:prstGeom prst="rect">
+            <a:avLst/>
+          </a:prstGeom>
+          <a:noFill/>
+        </p:spPr>
+        <p:txBody>
+          <a:bodyPr wrap="square" rtlCol="0">
+            <a:spAutoFit/>
+          </a:bodyPr>
+          <a:lstStyle/>
+          <a:p>
+            <a:r>
+              <a:rPr lang="en-US" dirty="0"/>
+              <a:t>Figure 7: Results from the improved model and experimental data overlayed where b = 0.014and b quadratic = 0.0015</a:t>
+            </a:r>
+            <a:endParaRPr lang="en-IN" dirty="0"/>
+          </a:p>
+        </p:txBody>
+      </p:sp>
+    </p:spTree>
+    <p:extLst>
+      <p:ext uri="{BB962C8B-B14F-4D97-AF65-F5344CB8AC3E}">
+        <p14:creationId xmlns:p14="http://schemas.microsoft.com/office/powerpoint/2010/main" val="717300385"/>
+      </p:ext>
+    </p:extLst>
+  </p:cSld>
+  <p:clrMapOvr>
+    <a:masterClrMapping/>
+  </p:clrMapOvr>
+</p:sld>
+</file>
+
 <file path=ppt/slides/slide3.xml><?xml version="1.0" encoding="utf-8"?>
 <p:sld xmlns:a="http://schemas.openxmlformats.org/drawingml/2006/main" xmlns:r="http://schemas.openxmlformats.org/officeDocument/2006/relationships" xmlns:p="http://schemas.openxmlformats.org/presentationml/2006/main">
   <p:cSld>
